--- a/docs/diagrams/LogicComponentClassDiagram.pptx
+++ b/docs/diagrams/LogicComponentClassDiagram.pptx
@@ -126,6 +126,10 @@
 </p:presentation>
 </file>
 
+<file path=ppt/revisionInfo.xml><?xml version="1.0" encoding="utf-8"?>
+<p1510:revInfo xmlns:a="http://schemas.openxmlformats.org/drawingml/2006/main" xmlns:r="http://schemas.openxmlformats.org/officeDocument/2006/relationships" xmlns:p1510="http://schemas.microsoft.com/office/powerpoint/2015/10/main"/>
+</file>
+
 <file path=ppt/notesMasters/notesMaster1.xml><?xml version="1.0" encoding="utf-8"?>
 <p:notesMaster xmlns:a="http://schemas.openxmlformats.org/drawingml/2006/main" xmlns:r="http://schemas.openxmlformats.org/officeDocument/2006/relationships" xmlns:p="http://schemas.openxmlformats.org/presentationml/2006/main">
   <p:cSld>
@@ -208,7 +212,7 @@
           <a:p>
             <a:fld id="{F5CC4B3F-88C1-4FFA-B1B6-F41C21DC6924}" type="datetimeFigureOut">
               <a:rPr lang="en-US" smtClean="0"/>
-              <a:t>6/2/17</a:t>
+              <a:t>7/11/2017</a:t>
             </a:fld>
             <a:endParaRPr lang="en-US"/>
           </a:p>
@@ -654,7 +658,7 @@
           <a:p>
             <a:fld id="{78C97017-6FC3-485B-9764-EAC9E56C1D49}" type="datetimeFigureOut">
               <a:rPr lang="en-US" smtClean="0"/>
-              <a:t>6/2/17</a:t>
+              <a:t>7/11/2017</a:t>
             </a:fld>
             <a:endParaRPr lang="en-US"/>
           </a:p>
@@ -822,7 +826,7 @@
           <a:p>
             <a:fld id="{78C97017-6FC3-485B-9764-EAC9E56C1D49}" type="datetimeFigureOut">
               <a:rPr lang="en-US" smtClean="0"/>
-              <a:t>6/2/17</a:t>
+              <a:t>7/11/2017</a:t>
             </a:fld>
             <a:endParaRPr lang="en-US"/>
           </a:p>
@@ -1000,7 +1004,7 @@
           <a:p>
             <a:fld id="{78C97017-6FC3-485B-9764-EAC9E56C1D49}" type="datetimeFigureOut">
               <a:rPr lang="en-US" smtClean="0"/>
-              <a:t>6/2/17</a:t>
+              <a:t>7/11/2017</a:t>
             </a:fld>
             <a:endParaRPr lang="en-US"/>
           </a:p>
@@ -1168,7 +1172,7 @@
           <a:p>
             <a:fld id="{78C97017-6FC3-485B-9764-EAC9E56C1D49}" type="datetimeFigureOut">
               <a:rPr lang="en-US" smtClean="0"/>
-              <a:t>6/2/17</a:t>
+              <a:t>7/11/2017</a:t>
             </a:fld>
             <a:endParaRPr lang="en-US"/>
           </a:p>
@@ -1413,7 +1417,7 @@
           <a:p>
             <a:fld id="{78C97017-6FC3-485B-9764-EAC9E56C1D49}" type="datetimeFigureOut">
               <a:rPr lang="en-US" smtClean="0"/>
-              <a:t>6/2/17</a:t>
+              <a:t>7/11/2017</a:t>
             </a:fld>
             <a:endParaRPr lang="en-US"/>
           </a:p>
@@ -1698,7 +1702,7 @@
           <a:p>
             <a:fld id="{78C97017-6FC3-485B-9764-EAC9E56C1D49}" type="datetimeFigureOut">
               <a:rPr lang="en-US" smtClean="0"/>
-              <a:t>6/2/17</a:t>
+              <a:t>7/11/2017</a:t>
             </a:fld>
             <a:endParaRPr lang="en-US"/>
           </a:p>
@@ -2117,7 +2121,7 @@
           <a:p>
             <a:fld id="{78C97017-6FC3-485B-9764-EAC9E56C1D49}" type="datetimeFigureOut">
               <a:rPr lang="en-US" smtClean="0"/>
-              <a:t>6/2/17</a:t>
+              <a:t>7/11/2017</a:t>
             </a:fld>
             <a:endParaRPr lang="en-US"/>
           </a:p>
@@ -2234,7 +2238,7 @@
           <a:p>
             <a:fld id="{78C97017-6FC3-485B-9764-EAC9E56C1D49}" type="datetimeFigureOut">
               <a:rPr lang="en-US" smtClean="0"/>
-              <a:t>6/2/17</a:t>
+              <a:t>7/11/2017</a:t>
             </a:fld>
             <a:endParaRPr lang="en-US"/>
           </a:p>
@@ -2329,7 +2333,7 @@
           <a:p>
             <a:fld id="{78C97017-6FC3-485B-9764-EAC9E56C1D49}" type="datetimeFigureOut">
               <a:rPr lang="en-US" smtClean="0"/>
-              <a:t>6/2/17</a:t>
+              <a:t>7/11/2017</a:t>
             </a:fld>
             <a:endParaRPr lang="en-US"/>
           </a:p>
@@ -2604,7 +2608,7 @@
           <a:p>
             <a:fld id="{78C97017-6FC3-485B-9764-EAC9E56C1D49}" type="datetimeFigureOut">
               <a:rPr lang="en-US" smtClean="0"/>
-              <a:t>6/2/17</a:t>
+              <a:t>7/11/2017</a:t>
             </a:fld>
             <a:endParaRPr lang="en-US"/>
           </a:p>
@@ -2856,7 +2860,7 @@
           <a:p>
             <a:fld id="{78C97017-6FC3-485B-9764-EAC9E56C1D49}" type="datetimeFigureOut">
               <a:rPr lang="en-US" smtClean="0"/>
-              <a:t>6/2/17</a:t>
+              <a:t>7/11/2017</a:t>
             </a:fld>
             <a:endParaRPr lang="en-US"/>
           </a:p>
@@ -3067,7 +3071,7 @@
           <a:p>
             <a:fld id="{78C97017-6FC3-485B-9764-EAC9E56C1D49}" type="datetimeFigureOut">
               <a:rPr lang="en-US" smtClean="0"/>
-              <a:t>6/2/17</a:t>
+              <a:t>7/11/2017</a:t>
             </a:fld>
             <a:endParaRPr lang="en-US"/>
           </a:p>
@@ -3450,7 +3454,7 @@
         </p:nvSpPr>
         <p:spPr>
           <a:xfrm>
-            <a:off x="1066800" y="914400"/>
+            <a:off x="838200" y="1219200"/>
             <a:ext cx="7467600" cy="3733800"/>
           </a:xfrm>
           <a:prstGeom prst="roundRect">
@@ -3511,7 +3515,7 @@
         </p:nvSpPr>
         <p:spPr>
           <a:xfrm>
-            <a:off x="2095948" y="1253067"/>
+            <a:off x="1867348" y="1557867"/>
             <a:ext cx="1093635" cy="346760"/>
           </a:xfrm>
           <a:prstGeom prst="rect">
@@ -3570,8 +3574,8 @@
         </p:nvSpPr>
         <p:spPr>
           <a:xfrm flipH="1">
-            <a:off x="6520227" y="2149167"/>
-            <a:ext cx="1093635" cy="346760"/>
+            <a:off x="6242286" y="2453967"/>
+            <a:ext cx="1142976" cy="346760"/>
           </a:xfrm>
           <a:prstGeom prst="rect">
             <a:avLst/>
@@ -3626,7 +3630,7 @@
         </p:nvSpPr>
         <p:spPr>
           <a:xfrm>
-            <a:off x="1782495" y="3583530"/>
+            <a:off x="1552185" y="4077763"/>
             <a:ext cx="1093635" cy="346760"/>
           </a:xfrm>
           <a:prstGeom prst="rect">
@@ -3688,7 +3692,7 @@
         </p:nvCxnSpPr>
         <p:spPr>
           <a:xfrm flipH="1" flipV="1">
-            <a:off x="3189583" y="1426447"/>
+            <a:off x="2960983" y="1731247"/>
             <a:ext cx="5020699" cy="2895973"/>
           </a:xfrm>
           <a:prstGeom prst="bentConnector3">
@@ -3731,7 +3735,7 @@
         </p:nvCxnSpPr>
         <p:spPr>
           <a:xfrm>
-            <a:off x="1676400" y="1423587"/>
+            <a:off x="1447800" y="1728387"/>
             <a:ext cx="419548" cy="2860"/>
           </a:xfrm>
           <a:prstGeom prst="bentConnector3">
@@ -3772,8 +3776,8 @@
         </p:nvSpPr>
         <p:spPr>
           <a:xfrm>
-            <a:off x="1103085" y="4777355"/>
-            <a:ext cx="7431315" cy="328045"/>
+            <a:off x="838201" y="5082155"/>
+            <a:ext cx="7467599" cy="328045"/>
           </a:xfrm>
           <a:prstGeom prst="roundRect">
             <a:avLst/>
@@ -3832,8 +3836,8 @@
         </p:nvSpPr>
         <p:spPr>
           <a:xfrm flipH="1">
-            <a:off x="6526365" y="2554920"/>
-            <a:ext cx="1093635" cy="346760"/>
+            <a:off x="6242286" y="2859720"/>
+            <a:ext cx="1149113" cy="346760"/>
           </a:xfrm>
           <a:prstGeom prst="rect">
             <a:avLst/>
@@ -3860,7 +3864,7 @@
           </a:fontRef>
         </p:style>
         <p:txBody>
-          <a:bodyPr rtlCol="0" anchor="ctr"/>
+          <a:bodyPr lIns="72000" rIns="72000" rtlCol="0" anchor="ctr"/>
           <a:lstStyle/>
           <a:p>
             <a:pPr algn="ctr"/>
@@ -3870,7 +3874,7 @@
                   <a:srgbClr val="0070C0"/>
                 </a:solidFill>
               </a:rPr>
-              <a:t>FindCommand</a:t>
+              <a:t>DeleteCommand</a:t>
             </a:r>
             <a:endParaRPr lang="en-SG" sz="1050" b="1" dirty="0">
               <a:solidFill>
@@ -3888,8 +3892,8 @@
         </p:nvSpPr>
         <p:spPr>
           <a:xfrm flipH="1">
-            <a:off x="6526365" y="3396383"/>
-            <a:ext cx="1093635" cy="346760"/>
+            <a:off x="6248400" y="3701183"/>
+            <a:ext cx="1143000" cy="346760"/>
           </a:xfrm>
           <a:prstGeom prst="rect">
             <a:avLst/>
@@ -3921,27 +3925,12 @@
           <a:p>
             <a:pPr algn="ctr"/>
             <a:r>
-              <a:rPr lang="en-US" sz="1050" b="1" dirty="0">
+              <a:rPr lang="en-US" sz="1050" b="1" dirty="0" err="1">
                 <a:solidFill>
                   <a:srgbClr val="0070C0"/>
                 </a:solidFill>
               </a:rPr>
-              <a:t>Incorrect</a:t>
-            </a:r>
-            <a:br>
-              <a:rPr lang="en-US" sz="1050" b="1" dirty="0">
-                <a:solidFill>
-                  <a:srgbClr val="0070C0"/>
-                </a:solidFill>
-              </a:rPr>
-            </a:br>
-            <a:r>
-              <a:rPr lang="en-US" sz="1050" b="1" dirty="0">
-                <a:solidFill>
-                  <a:srgbClr val="0070C0"/>
-                </a:solidFill>
-              </a:rPr>
-              <a:t>Command</a:t>
+              <a:t>WrongCommand</a:t>
             </a:r>
             <a:endParaRPr lang="en-SG" sz="1050" b="1" dirty="0">
               <a:solidFill>
@@ -3959,7 +3948,7 @@
         </p:nvSpPr>
         <p:spPr>
           <a:xfrm>
-            <a:off x="7438239" y="4149040"/>
+            <a:off x="7209639" y="4453840"/>
             <a:ext cx="772043" cy="346760"/>
           </a:xfrm>
           <a:prstGeom prst="rect">
@@ -4030,7 +4019,7 @@
         </p:nvSpPr>
         <p:spPr>
           <a:xfrm>
-            <a:off x="3529350" y="3581895"/>
+            <a:off x="3300750" y="4080302"/>
             <a:ext cx="585450" cy="346760"/>
           </a:xfrm>
           <a:prstGeom prst="rect">
@@ -4087,9 +4076,9 @@
           <p:nvPr/>
         </p:nvCxnSpPr>
         <p:spPr>
-          <a:xfrm flipV="1">
-            <a:off x="2876130" y="3755275"/>
-            <a:ext cx="653220" cy="1635"/>
+          <a:xfrm>
+            <a:off x="2645820" y="4251143"/>
+            <a:ext cx="654930" cy="2539"/>
           </a:xfrm>
           <a:prstGeom prst="bentConnector3">
             <a:avLst>
@@ -4131,7 +4120,7 @@
         </p:nvCxnSpPr>
         <p:spPr>
           <a:xfrm>
-            <a:off x="7824261" y="4495800"/>
+            <a:off x="7595661" y="4800600"/>
             <a:ext cx="0" cy="281555"/>
           </a:xfrm>
           <a:prstGeom prst="straightConnector1">
@@ -4170,7 +4159,7 @@
         </p:nvSpPr>
         <p:spPr>
           <a:xfrm rot="16200000">
-            <a:off x="398120" y="2150720"/>
+            <a:off x="169520" y="2455520"/>
             <a:ext cx="2209800" cy="346760"/>
           </a:xfrm>
           <a:prstGeom prst="rect">
@@ -4240,7 +4229,7 @@
         </p:nvSpPr>
         <p:spPr>
           <a:xfrm>
-            <a:off x="1359039" y="3429000"/>
+            <a:off x="1130439" y="3733800"/>
             <a:ext cx="270504" cy="175523"/>
           </a:xfrm>
           <a:prstGeom prst="triangle">
@@ -4297,8 +4286,8 @@
         </p:nvCxnSpPr>
         <p:spPr>
           <a:xfrm rot="10800000">
-            <a:off x="1494291" y="3604524"/>
-            <a:ext cx="288204" cy="152387"/>
+            <a:off x="1265691" y="3909323"/>
+            <a:ext cx="286494" cy="341820"/>
           </a:xfrm>
           <a:prstGeom prst="bentConnector2">
             <a:avLst/>
@@ -4331,15 +4320,13 @@
       <p:cxnSp>
         <p:nvCxnSpPr>
           <p:cNvPr id="23" name="Straight Arrow Connector 57"/>
-          <p:cNvCxnSpPr>
-            <a:stCxn id="5" idx="2"/>
-          </p:cNvCxnSpPr>
+          <p:cNvCxnSpPr/>
           <p:nvPr/>
         </p:nvCxnSpPr>
         <p:spPr>
-          <a:xfrm>
-            <a:off x="2329313" y="3930290"/>
-            <a:ext cx="1376" cy="854841"/>
+          <a:xfrm flipH="1">
+            <a:off x="1752601" y="4427062"/>
+            <a:ext cx="1" cy="655093"/>
           </a:xfrm>
           <a:prstGeom prst="straightConnector1">
             <a:avLst/>
@@ -4376,7 +4363,7 @@
         </p:nvCxnSpPr>
         <p:spPr>
           <a:xfrm>
-            <a:off x="893311" y="2832505"/>
+            <a:off x="664711" y="3137305"/>
             <a:ext cx="419548" cy="2860"/>
           </a:xfrm>
           <a:prstGeom prst="bentConnector3">
@@ -4415,19 +4402,18 @@
         <p:nvCxnSpPr>
           <p:cNvPr id="25" name="Elbow Connector 63"/>
           <p:cNvCxnSpPr>
+            <a:stCxn id="5" idx="2"/>
             <a:endCxn id="12" idx="1"/>
           </p:cNvCxnSpPr>
           <p:nvPr/>
         </p:nvCxnSpPr>
         <p:spPr>
-          <a:xfrm>
-            <a:off x="2743200" y="3939492"/>
-            <a:ext cx="4695039" cy="382928"/>
-          </a:xfrm>
-          <a:prstGeom prst="bentConnector3">
-            <a:avLst>
-              <a:gd name="adj1" fmla="val -81"/>
-            </a:avLst>
+          <a:xfrm rot="16200000" flipH="1">
+            <a:off x="4552973" y="1970553"/>
+            <a:ext cx="202697" cy="5110636"/>
+          </a:xfrm>
+          <a:prstGeom prst="bentConnector2">
+            <a:avLst/>
           </a:prstGeom>
           <a:ln w="19050">
             <a:solidFill>
@@ -4462,7 +4448,7 @@
         </p:nvGrpSpPr>
         <p:grpSpPr>
           <a:xfrm>
-            <a:off x="4597400" y="4341168"/>
+            <a:off x="4368800" y="4645968"/>
             <a:ext cx="889000" cy="230832"/>
             <a:chOff x="2895600" y="807932"/>
             <a:chExt cx="889000" cy="230832"/>
@@ -4562,7 +4548,7 @@
         </p:nvGrpSpPr>
         <p:grpSpPr>
           <a:xfrm>
-            <a:off x="4665110" y="1219200"/>
+            <a:off x="4436510" y="1524000"/>
             <a:ext cx="868568" cy="230832"/>
             <a:chOff x="2755838" y="789460"/>
             <a:chExt cx="868568" cy="230832"/>
@@ -4655,13 +4641,13 @@
       </p:grpSp>
       <p:sp>
         <p:nvSpPr>
-          <p:cNvPr id="33" name="TextBox 32"/>
+          <p:cNvPr id="32" name="TextBox 31"/>
           <p:cNvSpPr txBox="1"/>
           <p:nvPr/>
         </p:nvSpPr>
         <p:spPr>
           <a:xfrm>
-            <a:off x="3272832" y="3766112"/>
+            <a:off x="2072575" y="1923273"/>
             <a:ext cx="131116" cy="230832"/>
           </a:xfrm>
           <a:prstGeom prst="rect">
@@ -4694,14 +4680,53 @@
       </p:sp>
       <p:sp>
         <p:nvSpPr>
+          <p:cNvPr id="33" name="TextBox 32"/>
+          <p:cNvSpPr txBox="1"/>
+          <p:nvPr/>
+        </p:nvSpPr>
+        <p:spPr>
+          <a:xfrm>
+            <a:off x="2683607" y="4014257"/>
+            <a:ext cx="131116" cy="230832"/>
+          </a:xfrm>
+          <a:prstGeom prst="rect">
+            <a:avLst/>
+          </a:prstGeom>
+          <a:noFill/>
+        </p:spPr>
+        <p:txBody>
+          <a:bodyPr wrap="square" lIns="0" tIns="0" rIns="0" bIns="0" rtlCol="0">
+            <a:noAutofit/>
+          </a:bodyPr>
+          <a:lstStyle/>
+          <a:p>
+            <a:pPr algn="r"/>
+            <a:r>
+              <a:rPr lang="en-US" sz="1100" dirty="0">
+                <a:solidFill>
+                  <a:srgbClr val="0070C0"/>
+                </a:solidFill>
+              </a:rPr>
+              <a:t>1</a:t>
+            </a:r>
+            <a:endParaRPr lang="en-SG" sz="1100" dirty="0">
+              <a:solidFill>
+                <a:srgbClr val="0070C0"/>
+              </a:solidFill>
+            </a:endParaRPr>
+          </a:p>
+        </p:txBody>
+      </p:sp>
+      <p:sp>
+        <p:nvSpPr>
           <p:cNvPr id="37" name="Rectangle 11"/>
           <p:cNvSpPr/>
           <p:nvPr/>
         </p:nvSpPr>
         <p:spPr>
           <a:xfrm flipH="1">
-            <a:off x="6526365" y="2956137"/>
-            <a:ext cx="1093635" cy="346760"/>
+            <a:off x="6248400" y="3260937"/>
+            <a:ext cx="1143000" cy="346760"/>
           </a:xfrm>
           <a:prstGeom prst="rect">
             <a:avLst/>
@@ -4755,9 +4780,9 @@
           <p:nvPr/>
         </p:nvCxnSpPr>
         <p:spPr>
-          <a:xfrm rot="5400000" flipH="1" flipV="1">
-            <a:off x="1193276" y="2601868"/>
-            <a:ext cx="1969553" cy="2764"/>
+          <a:xfrm rot="16200000" flipV="1">
+            <a:off x="876938" y="2997169"/>
+            <a:ext cx="2147794" cy="2"/>
           </a:xfrm>
           <a:prstGeom prst="bentConnector3">
             <a:avLst>
@@ -4797,7 +4822,7 @@
         </p:nvSpPr>
         <p:spPr>
           <a:xfrm flipH="1">
-            <a:off x="4831294" y="2148937"/>
+            <a:off x="4435992" y="2453737"/>
             <a:ext cx="1093635" cy="346760"/>
           </a:xfrm>
           <a:prstGeom prst="rect">
@@ -4868,7 +4893,7 @@
         </p:nvSpPr>
         <p:spPr>
           <a:xfrm flipH="1">
-            <a:off x="4831294" y="2555337"/>
+            <a:off x="4435992" y="2860137"/>
             <a:ext cx="1093635" cy="346760"/>
           </a:xfrm>
           <a:prstGeom prst="rect">
@@ -4895,7 +4920,7 @@
           </a:fontRef>
         </p:style>
         <p:txBody>
-          <a:bodyPr rtlCol="0" anchor="ctr"/>
+          <a:bodyPr lIns="72000" rIns="72000" rtlCol="0" anchor="ctr"/>
           <a:lstStyle/>
           <a:p>
             <a:pPr algn="ctr"/>
@@ -4905,7 +4930,7 @@
                   <a:schemeClr val="bg1"/>
                 </a:solidFill>
               </a:rPr>
-              <a:t>FindCommand</a:t>
+              <a:t>DeleteCommand</a:t>
             </a:r>
             <a:endParaRPr lang="en-US" sz="1050" b="1" dirty="0">
               <a:solidFill>
@@ -4939,7 +4964,7 @@
         </p:nvSpPr>
         <p:spPr>
           <a:xfrm flipH="1">
-            <a:off x="4831292" y="2977582"/>
+            <a:off x="4435990" y="3282382"/>
             <a:ext cx="1093635" cy="346760"/>
           </a:xfrm>
           <a:prstGeom prst="rect">
@@ -4994,7 +5019,7 @@
         </p:nvSpPr>
         <p:spPr>
           <a:xfrm>
-            <a:off x="3174214" y="1862795"/>
+            <a:off x="2578688" y="2209800"/>
             <a:ext cx="751107" cy="346760"/>
           </a:xfrm>
           <a:prstGeom prst="rect">
@@ -5036,7 +5061,7 @@
           <a:p>
             <a:pPr algn="ctr"/>
             <a:r>
-              <a:rPr lang="en-US" sz="1050">
+              <a:rPr lang="en-US" sz="1050" dirty="0">
                 <a:solidFill>
                   <a:schemeClr val="bg1"/>
                 </a:solidFill>
@@ -5044,14 +5069,14 @@
               <a:t>Argument</a:t>
             </a:r>
             <a:br>
-              <a:rPr lang="en-US" sz="1050">
+              <a:rPr lang="en-US" sz="1050" dirty="0">
                 <a:solidFill>
                   <a:schemeClr val="bg1"/>
                 </a:solidFill>
               </a:rPr>
             </a:br>
             <a:r>
-              <a:rPr lang="en-US" sz="1050">
+              <a:rPr lang="en-US" sz="1050" dirty="0">
                 <a:solidFill>
                   <a:schemeClr val="bg1"/>
                 </a:solidFill>
@@ -5074,7 +5099,7 @@
         </p:nvSpPr>
         <p:spPr>
           <a:xfrm>
-            <a:off x="2238496" y="2454481"/>
+            <a:off x="2584691" y="2737464"/>
             <a:ext cx="726243" cy="174580"/>
           </a:xfrm>
           <a:prstGeom prst="rect">
@@ -5139,9 +5164,9 @@
         </p:nvGrpSpPr>
         <p:grpSpPr>
           <a:xfrm rot="5400000">
-            <a:off x="6088711" y="1962201"/>
+            <a:off x="5713195" y="2267001"/>
             <a:ext cx="254462" cy="555486"/>
-            <a:chOff x="3949242" y="578739"/>
+            <a:chOff x="3949242" y="712012"/>
             <a:chExt cx="254462" cy="503902"/>
           </a:xfrm>
         </p:grpSpPr>
@@ -5153,7 +5178,7 @@
           </p:nvSpPr>
           <p:spPr>
             <a:xfrm rot="16200000">
-              <a:off x="3824522" y="703459"/>
+              <a:off x="3824522" y="836732"/>
               <a:ext cx="503902" cy="254462"/>
             </a:xfrm>
             <a:prstGeom prst="rect">
@@ -5195,7 +5220,7 @@
           </p:nvSpPr>
           <p:spPr>
             <a:xfrm rot="10800000" flipV="1">
-              <a:off x="3979474" y="617927"/>
+              <a:off x="3979474" y="751200"/>
               <a:ext cx="132157" cy="79956"/>
             </a:xfrm>
             <a:prstGeom prst="triangle">
@@ -5244,9 +5269,9 @@
         </p:nvGrpSpPr>
         <p:grpSpPr>
           <a:xfrm rot="5400000">
-            <a:off x="6098740" y="2390577"/>
+            <a:off x="5734253" y="2652369"/>
             <a:ext cx="254462" cy="555486"/>
-            <a:chOff x="3965759" y="592436"/>
+            <a:chOff x="3949242" y="712012"/>
             <a:chExt cx="254462" cy="503902"/>
           </a:xfrm>
         </p:grpSpPr>
@@ -5258,7 +5283,7 @@
           </p:nvSpPr>
           <p:spPr>
             <a:xfrm rot="16200000">
-              <a:off x="3841039" y="717156"/>
+              <a:off x="3824522" y="836732"/>
               <a:ext cx="503902" cy="254462"/>
             </a:xfrm>
             <a:prstGeom prst="rect">
@@ -5300,7 +5325,7 @@
           </p:nvSpPr>
           <p:spPr>
             <a:xfrm rot="10800000" flipV="1">
-              <a:off x="3995991" y="631624"/>
+              <a:off x="3979474" y="751200"/>
               <a:ext cx="132157" cy="79956"/>
             </a:xfrm>
             <a:prstGeom prst="triangle">
@@ -5349,7 +5374,7 @@
         </p:nvSpPr>
         <p:spPr>
           <a:xfrm>
-            <a:off x="3186326" y="2841725"/>
+            <a:off x="2590800" y="3146525"/>
             <a:ext cx="731636" cy="283820"/>
           </a:xfrm>
           <a:prstGeom prst="rect">
@@ -5414,7 +5439,7 @@
         </p:nvSpPr>
         <p:spPr>
           <a:xfrm>
-            <a:off x="3186326" y="3190882"/>
+            <a:off x="2590800" y="3495682"/>
             <a:ext cx="731636" cy="283820"/>
           </a:xfrm>
           <a:prstGeom prst="rect">
@@ -5475,14 +5500,13 @@
         <p:nvCxnSpPr>
           <p:cNvPr id="100" name="Straight Arrow Connector 99"/>
           <p:cNvCxnSpPr>
-            <a:cxnSpLocks/>
             <a:endCxn id="60" idx="3"/>
           </p:cNvCxnSpPr>
           <p:nvPr/>
         </p:nvCxnSpPr>
         <p:spPr>
           <a:xfrm flipH="1">
-            <a:off x="3917962" y="2983635"/>
+            <a:off x="3322436" y="3288435"/>
             <a:ext cx="335164" cy="0"/>
           </a:xfrm>
           <a:prstGeom prst="straightConnector1">
@@ -5518,16 +5542,13 @@
       <p:cxnSp>
         <p:nvCxnSpPr>
           <p:cNvPr id="105" name="Straight Arrow Connector 104"/>
-          <p:cNvCxnSpPr>
-            <a:cxnSpLocks/>
-            <a:endCxn id="62" idx="3"/>
-          </p:cNvCxnSpPr>
+          <p:cNvCxnSpPr/>
           <p:nvPr/>
         </p:nvCxnSpPr>
         <p:spPr>
-          <a:xfrm flipH="1">
-            <a:off x="3917962" y="3332439"/>
-            <a:ext cx="335164" cy="353"/>
+          <a:xfrm flipH="1" flipV="1">
+            <a:off x="3329796" y="3602271"/>
+            <a:ext cx="327804" cy="5426"/>
           </a:xfrm>
           <a:prstGeom prst="straightConnector1">
             <a:avLst/>
@@ -5563,19 +5584,19 @@
         <p:nvCxnSpPr>
           <p:cNvPr id="13" name="Elbow Connector 12"/>
           <p:cNvCxnSpPr>
-            <a:cxnSpLocks/>
-            <a:stCxn id="60" idx="1"/>
-            <a:endCxn id="58" idx="2"/>
+            <a:stCxn id="60" idx="0"/>
           </p:cNvCxnSpPr>
           <p:nvPr/>
         </p:nvCxnSpPr>
         <p:spPr>
-          <a:xfrm rot="10800000">
-            <a:off x="2601618" y="2629061"/>
-            <a:ext cx="584708" cy="354574"/>
-          </a:xfrm>
-          <a:prstGeom prst="bentConnector2">
-            <a:avLst/>
+          <a:xfrm rot="16200000" flipV="1">
+            <a:off x="2834975" y="3024882"/>
+            <a:ext cx="234481" cy="8806"/>
+          </a:xfrm>
+          <a:prstGeom prst="bentConnector3">
+            <a:avLst>
+              <a:gd name="adj1" fmla="val 50000"/>
+            </a:avLst>
           </a:prstGeom>
           <a:ln w="19050">
             <a:solidFill>
@@ -5608,16 +5629,13 @@
       <p:cxnSp>
         <p:nvCxnSpPr>
           <p:cNvPr id="47" name="Straight Connector 46"/>
-          <p:cNvCxnSpPr>
-            <a:cxnSpLocks/>
-            <a:stCxn id="56" idx="3"/>
-          </p:cNvCxnSpPr>
+          <p:cNvCxnSpPr/>
           <p:nvPr/>
         </p:nvCxnSpPr>
         <p:spPr>
           <a:xfrm>
-            <a:off x="3925321" y="2036175"/>
-            <a:ext cx="327805" cy="107"/>
+            <a:off x="3310934" y="2383287"/>
+            <a:ext cx="346666" cy="0"/>
           </a:xfrm>
           <a:prstGeom prst="line">
             <a:avLst/>
@@ -5653,19 +5671,20 @@
         <p:nvCxnSpPr>
           <p:cNvPr id="50" name="Elbow Connector 49"/>
           <p:cNvCxnSpPr>
-            <a:cxnSpLocks/>
-            <a:stCxn id="56" idx="1"/>
+            <a:stCxn id="56" idx="2"/>
             <a:endCxn id="58" idx="0"/>
           </p:cNvCxnSpPr>
           <p:nvPr/>
         </p:nvCxnSpPr>
         <p:spPr>
-          <a:xfrm rot="10800000" flipV="1">
-            <a:off x="2601618" y="2036175"/>
-            <a:ext cx="572596" cy="418306"/>
-          </a:xfrm>
-          <a:prstGeom prst="bentConnector2">
-            <a:avLst/>
+          <a:xfrm rot="5400000">
+            <a:off x="2860576" y="2643798"/>
+            <a:ext cx="180904" cy="6429"/>
+          </a:xfrm>
+          <a:prstGeom prst="bentConnector3">
+            <a:avLst>
+              <a:gd name="adj1" fmla="val 50000"/>
+            </a:avLst>
           </a:prstGeom>
           <a:ln w="19050">
             <a:solidFill>
@@ -5703,9 +5722,9 @@
         </p:nvGrpSpPr>
         <p:grpSpPr>
           <a:xfrm rot="5400000">
-            <a:off x="4346209" y="3538793"/>
+            <a:off x="3862226" y="3938426"/>
             <a:ext cx="555486" cy="254462"/>
-            <a:chOff x="3703306" y="644022"/>
+            <a:chOff x="3798139" y="875689"/>
             <a:chExt cx="555486" cy="230832"/>
           </a:xfrm>
         </p:grpSpPr>
@@ -5717,7 +5736,7 @@
           </p:nvSpPr>
           <p:spPr>
             <a:xfrm rot="10800000">
-              <a:off x="3703306" y="644022"/>
+              <a:off x="3798139" y="875689"/>
               <a:ext cx="555486" cy="230832"/>
             </a:xfrm>
             <a:prstGeom prst="rect">
@@ -5759,7 +5778,7 @@
           </p:nvSpPr>
           <p:spPr>
             <a:xfrm rot="5400000" flipV="1">
-              <a:off x="3700294" y="741689"/>
+              <a:off x="3795127" y="973354"/>
               <a:ext cx="119885" cy="88141"/>
             </a:xfrm>
             <a:prstGeom prst="triangle">
@@ -5804,6 +5823,7 @@
         <p:nvCxnSpPr>
           <p:cNvPr id="84" name="Elbow Connector 83"/>
           <p:cNvCxnSpPr>
+            <a:cxnSpLocks/>
             <a:stCxn id="87" idx="3"/>
             <a:endCxn id="37" idx="1"/>
           </p:cNvCxnSpPr>
@@ -5811,7 +5831,7 @@
         </p:nvCxnSpPr>
         <p:spPr>
           <a:xfrm rot="16200000" flipV="1">
-            <a:off x="7296652" y="3452865"/>
+            <a:off x="7068052" y="3757665"/>
             <a:ext cx="850958" cy="204262"/>
           </a:xfrm>
           <a:prstGeom prst="bentConnector2">
@@ -5845,7 +5865,7 @@
         </p:nvSpPr>
         <p:spPr>
           <a:xfrm flipV="1">
-            <a:off x="7689010" y="3980475"/>
+            <a:off x="7460410" y="4285275"/>
             <a:ext cx="270504" cy="175523"/>
           </a:xfrm>
           <a:prstGeom prst="triangle">
@@ -5895,6 +5915,7 @@
         <p:nvCxnSpPr>
           <p:cNvPr id="90" name="Elbow Connector 89"/>
           <p:cNvCxnSpPr>
+            <a:cxnSpLocks/>
             <a:stCxn id="87" idx="3"/>
             <a:endCxn id="11" idx="1"/>
           </p:cNvCxnSpPr>
@@ -5902,7 +5923,7 @@
         </p:nvCxnSpPr>
         <p:spPr>
           <a:xfrm rot="16200000" flipV="1">
-            <a:off x="7516775" y="3672988"/>
+            <a:off x="7288175" y="3977788"/>
             <a:ext cx="410712" cy="204262"/>
           </a:xfrm>
           <a:prstGeom prst="bentConnector2">
@@ -5932,6 +5953,7 @@
         <p:nvCxnSpPr>
           <p:cNvPr id="93" name="Elbow Connector 92"/>
           <p:cNvCxnSpPr>
+            <a:cxnSpLocks/>
             <a:stCxn id="87" idx="3"/>
             <a:endCxn id="10" idx="1"/>
           </p:cNvCxnSpPr>
@@ -5939,8 +5961,8 @@
         </p:nvCxnSpPr>
         <p:spPr>
           <a:xfrm rot="16200000" flipV="1">
-            <a:off x="7096044" y="3252257"/>
-            <a:ext cx="1252175" cy="204262"/>
+            <a:off x="6867444" y="3557056"/>
+            <a:ext cx="1252175" cy="204263"/>
           </a:xfrm>
           <a:prstGeom prst="bentConnector2">
             <a:avLst/>
@@ -5969,6 +5991,7 @@
         <p:nvCxnSpPr>
           <p:cNvPr id="96" name="Elbow Connector 95"/>
           <p:cNvCxnSpPr>
+            <a:cxnSpLocks/>
             <a:stCxn id="87" idx="3"/>
             <a:endCxn id="4" idx="1"/>
           </p:cNvCxnSpPr>
@@ -5976,7 +5999,7 @@
         </p:nvCxnSpPr>
         <p:spPr>
           <a:xfrm rot="16200000" flipV="1">
-            <a:off x="6890098" y="3046311"/>
+            <a:off x="6661498" y="3351111"/>
             <a:ext cx="1657928" cy="210400"/>
           </a:xfrm>
           <a:prstGeom prst="bentConnector2">
@@ -6013,8 +6036,147 @@
         </p:nvCxnSpPr>
         <p:spPr>
           <a:xfrm flipV="1">
-            <a:off x="4114800" y="3150962"/>
-            <a:ext cx="716492" cy="604313"/>
+            <a:off x="3886200" y="3455762"/>
+            <a:ext cx="549790" cy="797920"/>
+          </a:xfrm>
+          <a:prstGeom prst="bentConnector3">
+            <a:avLst>
+              <a:gd name="adj1" fmla="val 14720"/>
+            </a:avLst>
+          </a:prstGeom>
+          <a:ln w="19050">
+            <a:solidFill>
+              <a:schemeClr val="accent5">
+                <a:lumMod val="75000"/>
+              </a:schemeClr>
+            </a:solidFill>
+            <a:prstDash val="sysDot"/>
+            <a:headEnd type="none" w="med" len="med"/>
+            <a:tailEnd type="arrow" w="med" len="med"/>
+          </a:ln>
+          <a:effectLst/>
+        </p:spPr>
+        <p:style>
+          <a:lnRef idx="1">
+            <a:schemeClr val="accent2"/>
+          </a:lnRef>
+          <a:fillRef idx="2">
+            <a:schemeClr val="accent2"/>
+          </a:fillRef>
+          <a:effectRef idx="1">
+            <a:schemeClr val="accent2"/>
+          </a:effectRef>
+          <a:fontRef idx="minor">
+            <a:schemeClr val="dk1"/>
+          </a:fontRef>
+        </p:style>
+      </p:cxnSp>
+      <p:cxnSp>
+        <p:nvCxnSpPr>
+          <p:cNvPr id="113" name="Elbow Connector 63"/>
+          <p:cNvCxnSpPr>
+            <a:stCxn id="16" idx="3"/>
+            <a:endCxn id="44" idx="3"/>
+          </p:cNvCxnSpPr>
+          <p:nvPr/>
+        </p:nvCxnSpPr>
+        <p:spPr>
+          <a:xfrm flipV="1">
+            <a:off x="3886200" y="3033517"/>
+            <a:ext cx="549792" cy="1220165"/>
+          </a:xfrm>
+          <a:prstGeom prst="bentConnector3">
+            <a:avLst>
+              <a:gd name="adj1" fmla="val 14720"/>
+            </a:avLst>
+          </a:prstGeom>
+          <a:ln w="19050">
+            <a:solidFill>
+              <a:schemeClr val="accent5">
+                <a:lumMod val="75000"/>
+              </a:schemeClr>
+            </a:solidFill>
+            <a:prstDash val="sysDot"/>
+            <a:headEnd type="none" w="med" len="med"/>
+            <a:tailEnd type="arrow" w="med" len="med"/>
+          </a:ln>
+          <a:effectLst/>
+        </p:spPr>
+        <p:style>
+          <a:lnRef idx="1">
+            <a:schemeClr val="accent2"/>
+          </a:lnRef>
+          <a:fillRef idx="2">
+            <a:schemeClr val="accent2"/>
+          </a:fillRef>
+          <a:effectRef idx="1">
+            <a:schemeClr val="accent2"/>
+          </a:effectRef>
+          <a:fontRef idx="minor">
+            <a:schemeClr val="dk1"/>
+          </a:fontRef>
+        </p:style>
+      </p:cxnSp>
+      <p:cxnSp>
+        <p:nvCxnSpPr>
+          <p:cNvPr id="116" name="Elbow Connector 63"/>
+          <p:cNvCxnSpPr>
+            <a:stCxn id="16" idx="3"/>
+            <a:endCxn id="42" idx="3"/>
+          </p:cNvCxnSpPr>
+          <p:nvPr/>
+        </p:nvCxnSpPr>
+        <p:spPr>
+          <a:xfrm flipV="1">
+            <a:off x="3886200" y="2627117"/>
+            <a:ext cx="549792" cy="1626565"/>
+          </a:xfrm>
+          <a:prstGeom prst="bentConnector3">
+            <a:avLst>
+              <a:gd name="adj1" fmla="val 14721"/>
+            </a:avLst>
+          </a:prstGeom>
+          <a:ln w="19050">
+            <a:solidFill>
+              <a:schemeClr val="accent5">
+                <a:lumMod val="75000"/>
+              </a:schemeClr>
+            </a:solidFill>
+            <a:prstDash val="sysDot"/>
+            <a:headEnd type="none" w="med" len="med"/>
+            <a:tailEnd type="arrow" w="med" len="med"/>
+          </a:ln>
+          <a:effectLst/>
+        </p:spPr>
+        <p:style>
+          <a:lnRef idx="1">
+            <a:schemeClr val="accent2"/>
+          </a:lnRef>
+          <a:fillRef idx="2">
+            <a:schemeClr val="accent2"/>
+          </a:fillRef>
+          <a:effectRef idx="1">
+            <a:schemeClr val="accent2"/>
+          </a:effectRef>
+          <a:fontRef idx="minor">
+            <a:schemeClr val="dk1"/>
+          </a:fontRef>
+        </p:style>
+      </p:cxnSp>
+      <p:cxnSp>
+        <p:nvCxnSpPr>
+          <p:cNvPr id="120" name="Elbow Connector 63"/>
+          <p:cNvCxnSpPr>
+            <a:cxnSpLocks/>
+            <a:stCxn id="44" idx="1"/>
+            <a:endCxn id="10" idx="3"/>
+          </p:cNvCxnSpPr>
+          <p:nvPr/>
+        </p:nvCxnSpPr>
+        <p:spPr>
+          <a:xfrm flipV="1">
+            <a:off x="5529627" y="3033100"/>
+            <a:ext cx="712659" cy="417"/>
           </a:xfrm>
           <a:prstGeom prst="bentConnector3">
             <a:avLst>
@@ -6050,17 +6212,18 @@
       </p:cxnSp>
       <p:cxnSp>
         <p:nvCxnSpPr>
-          <p:cNvPr id="113" name="Elbow Connector 63"/>
+          <p:cNvPr id="122" name="Elbow Connector 63"/>
           <p:cNvCxnSpPr>
-            <a:stCxn id="16" idx="3"/>
-            <a:endCxn id="44" idx="3"/>
+            <a:cxnSpLocks/>
+            <a:stCxn id="42" idx="1"/>
+            <a:endCxn id="4" idx="3"/>
           </p:cNvCxnSpPr>
           <p:nvPr/>
         </p:nvCxnSpPr>
         <p:spPr>
-          <a:xfrm flipV="1">
-            <a:off x="4114800" y="2728717"/>
-            <a:ext cx="716494" cy="1026558"/>
+          <a:xfrm>
+            <a:off x="5529627" y="2627117"/>
+            <a:ext cx="712659" cy="230"/>
           </a:xfrm>
           <a:prstGeom prst="bentConnector3">
             <a:avLst>
@@ -6096,156 +6259,14 @@
       </p:cxnSp>
       <p:cxnSp>
         <p:nvCxnSpPr>
-          <p:cNvPr id="116" name="Elbow Connector 63"/>
-          <p:cNvCxnSpPr>
-            <a:stCxn id="16" idx="3"/>
-            <a:endCxn id="42" idx="3"/>
-          </p:cNvCxnSpPr>
+          <p:cNvPr id="64" name="Straight Connector 63"/>
+          <p:cNvCxnSpPr/>
           <p:nvPr/>
         </p:nvCxnSpPr>
         <p:spPr>
-          <a:xfrm flipV="1">
-            <a:off x="4114800" y="2322317"/>
-            <a:ext cx="716494" cy="1432958"/>
-          </a:xfrm>
-          <a:prstGeom prst="bentConnector3">
-            <a:avLst>
-              <a:gd name="adj1" fmla="val 50000"/>
-            </a:avLst>
-          </a:prstGeom>
-          <a:ln w="19050">
-            <a:solidFill>
-              <a:schemeClr val="accent5">
-                <a:lumMod val="75000"/>
-              </a:schemeClr>
-            </a:solidFill>
-            <a:prstDash val="sysDot"/>
-            <a:headEnd type="none" w="med" len="med"/>
-            <a:tailEnd type="arrow" w="med" len="med"/>
-          </a:ln>
-          <a:effectLst/>
-        </p:spPr>
-        <p:style>
-          <a:lnRef idx="1">
-            <a:schemeClr val="accent2"/>
-          </a:lnRef>
-          <a:fillRef idx="2">
-            <a:schemeClr val="accent2"/>
-          </a:fillRef>
-          <a:effectRef idx="1">
-            <a:schemeClr val="accent2"/>
-          </a:effectRef>
-          <a:fontRef idx="minor">
-            <a:schemeClr val="dk1"/>
-          </a:fontRef>
-        </p:style>
-      </p:cxnSp>
-      <p:cxnSp>
-        <p:nvCxnSpPr>
-          <p:cNvPr id="120" name="Elbow Connector 63"/>
-          <p:cNvCxnSpPr>
-            <a:cxnSpLocks/>
-            <a:stCxn id="44" idx="1"/>
-            <a:endCxn id="10" idx="3"/>
-          </p:cNvCxnSpPr>
-          <p:nvPr/>
-        </p:nvCxnSpPr>
-        <p:spPr>
-          <a:xfrm flipV="1">
-            <a:off x="5924929" y="2728300"/>
-            <a:ext cx="601436" cy="417"/>
-          </a:xfrm>
-          <a:prstGeom prst="bentConnector3">
-            <a:avLst>
-              <a:gd name="adj1" fmla="val 50000"/>
-            </a:avLst>
-          </a:prstGeom>
-          <a:ln w="19050">
-            <a:solidFill>
-              <a:schemeClr val="accent5">
-                <a:lumMod val="75000"/>
-              </a:schemeClr>
-            </a:solidFill>
-            <a:prstDash val="sysDot"/>
-            <a:headEnd type="none" w="med" len="med"/>
-            <a:tailEnd type="arrow" w="med" len="med"/>
-          </a:ln>
-          <a:effectLst/>
-        </p:spPr>
-        <p:style>
-          <a:lnRef idx="1">
-            <a:schemeClr val="accent2"/>
-          </a:lnRef>
-          <a:fillRef idx="2">
-            <a:schemeClr val="accent2"/>
-          </a:fillRef>
-          <a:effectRef idx="1">
-            <a:schemeClr val="accent2"/>
-          </a:effectRef>
-          <a:fontRef idx="minor">
-            <a:schemeClr val="dk1"/>
-          </a:fontRef>
-        </p:style>
-      </p:cxnSp>
-      <p:cxnSp>
-        <p:nvCxnSpPr>
-          <p:cNvPr id="122" name="Elbow Connector 63"/>
-          <p:cNvCxnSpPr>
-            <a:cxnSpLocks/>
-            <a:stCxn id="42" idx="1"/>
-            <a:endCxn id="4" idx="3"/>
-          </p:cNvCxnSpPr>
-          <p:nvPr/>
-        </p:nvCxnSpPr>
-        <p:spPr>
           <a:xfrm>
-            <a:off x="5924929" y="2322317"/>
-            <a:ext cx="595298" cy="230"/>
-          </a:xfrm>
-          <a:prstGeom prst="bentConnector3">
-            <a:avLst>
-              <a:gd name="adj1" fmla="val 50000"/>
-            </a:avLst>
-          </a:prstGeom>
-          <a:ln w="19050">
-            <a:solidFill>
-              <a:schemeClr val="accent5">
-                <a:lumMod val="75000"/>
-              </a:schemeClr>
-            </a:solidFill>
-            <a:prstDash val="sysDot"/>
-            <a:headEnd type="none" w="med" len="med"/>
-            <a:tailEnd type="arrow" w="med" len="med"/>
-          </a:ln>
-          <a:effectLst/>
-        </p:spPr>
-        <p:style>
-          <a:lnRef idx="1">
-            <a:schemeClr val="accent2"/>
-          </a:lnRef>
-          <a:fillRef idx="2">
-            <a:schemeClr val="accent2"/>
-          </a:fillRef>
-          <a:effectRef idx="1">
-            <a:schemeClr val="accent2"/>
-          </a:effectRef>
-          <a:fontRef idx="minor">
-            <a:schemeClr val="dk1"/>
-          </a:fontRef>
-        </p:style>
-      </p:cxnSp>
-      <p:cxnSp>
-        <p:nvCxnSpPr>
-          <p:cNvPr id="64" name="Straight Connector 63"/>
-          <p:cNvCxnSpPr>
-            <a:cxnSpLocks/>
-          </p:cNvCxnSpPr>
-          <p:nvPr/>
-        </p:nvCxnSpPr>
-        <p:spPr>
-          <a:xfrm>
-            <a:off x="4248488" y="2033984"/>
-            <a:ext cx="0" cy="1304815"/>
+            <a:off x="3657600" y="2383287"/>
+            <a:ext cx="0" cy="1218984"/>
           </a:xfrm>
           <a:prstGeom prst="line">
             <a:avLst/>
@@ -6280,15 +6301,13 @@
       <p:cxnSp>
         <p:nvCxnSpPr>
           <p:cNvPr id="66" name="Straight Connector 65"/>
-          <p:cNvCxnSpPr>
-            <a:cxnSpLocks/>
-          </p:cNvCxnSpPr>
+          <p:cNvCxnSpPr/>
           <p:nvPr/>
         </p:nvCxnSpPr>
         <p:spPr>
           <a:xfrm>
-            <a:off x="4248488" y="2209800"/>
-            <a:ext cx="582002" cy="0"/>
+            <a:off x="3666072" y="2514600"/>
+            <a:ext cx="769918" cy="0"/>
           </a:xfrm>
           <a:prstGeom prst="line">
             <a:avLst/>
@@ -6323,15 +6342,13 @@
       <p:cxnSp>
         <p:nvCxnSpPr>
           <p:cNvPr id="73" name="Straight Connector 72"/>
-          <p:cNvCxnSpPr>
-            <a:cxnSpLocks/>
-          </p:cNvCxnSpPr>
+          <p:cNvCxnSpPr/>
           <p:nvPr/>
         </p:nvCxnSpPr>
         <p:spPr>
-          <a:xfrm flipV="1">
-            <a:off x="4255042" y="2607245"/>
-            <a:ext cx="566976" cy="5974"/>
+          <a:xfrm>
+            <a:off x="3657600" y="2912044"/>
+            <a:ext cx="769918" cy="0"/>
           </a:xfrm>
           <a:prstGeom prst="line">
             <a:avLst/>
@@ -6366,15 +6383,13 @@
       <p:cxnSp>
         <p:nvCxnSpPr>
           <p:cNvPr id="74" name="Straight Connector 73"/>
-          <p:cNvCxnSpPr>
-            <a:cxnSpLocks/>
-          </p:cNvCxnSpPr>
+          <p:cNvCxnSpPr/>
           <p:nvPr/>
         </p:nvCxnSpPr>
         <p:spPr>
           <a:xfrm>
-            <a:off x="4248487" y="3048000"/>
-            <a:ext cx="573531" cy="0"/>
+            <a:off x="3657600" y="3352800"/>
+            <a:ext cx="769918" cy="0"/>
           </a:xfrm>
           <a:prstGeom prst="line">
             <a:avLst/>
@@ -6406,368 +6421,6 @@
           </a:fontRef>
         </p:style>
       </p:cxnSp>
-      <p:sp>
-        <p:nvSpPr>
-          <p:cNvPr id="109" name="Rectangle 62"/>
-          <p:cNvSpPr/>
-          <p:nvPr/>
-        </p:nvSpPr>
-        <p:spPr>
-          <a:xfrm>
-            <a:off x="3174214" y="2370131"/>
-            <a:ext cx="750156" cy="340758"/>
-          </a:xfrm>
-          <a:prstGeom prst="rect">
-            <a:avLst/>
-          </a:prstGeom>
-          <a:solidFill>
-            <a:schemeClr val="accent5">
-              <a:lumMod val="60000"/>
-              <a:lumOff val="40000"/>
-            </a:schemeClr>
-          </a:solidFill>
-          <a:ln w="19050">
-            <a:solidFill>
-              <a:schemeClr val="accent5">
-                <a:lumMod val="60000"/>
-                <a:lumOff val="40000"/>
-              </a:schemeClr>
-            </a:solidFill>
-          </a:ln>
-          <a:effectLst/>
-        </p:spPr>
-        <p:style>
-          <a:lnRef idx="1">
-            <a:schemeClr val="accent2"/>
-          </a:lnRef>
-          <a:fillRef idx="2">
-            <a:schemeClr val="accent2"/>
-          </a:fillRef>
-          <a:effectRef idx="1">
-            <a:schemeClr val="accent2"/>
-          </a:effectRef>
-          <a:fontRef idx="minor">
-            <a:schemeClr val="dk1"/>
-          </a:fontRef>
-        </p:style>
-        <p:txBody>
-          <a:bodyPr rtlCol="0" anchor="ctr"/>
-          <a:lstStyle/>
-          <a:p>
-            <a:pPr algn="ctr"/>
-            <a:r>
-              <a:rPr lang="en-SG" sz="1050" dirty="0">
-                <a:solidFill>
-                  <a:schemeClr val="bg1"/>
-                </a:solidFill>
-              </a:rPr>
-              <a:t>Argument</a:t>
-            </a:r>
-            <a:br>
-              <a:rPr lang="en-SG" sz="1050" dirty="0">
-                <a:solidFill>
-                  <a:schemeClr val="bg1"/>
-                </a:solidFill>
-              </a:rPr>
-            </a:br>
-            <a:r>
-              <a:rPr lang="en-SG" sz="1050" dirty="0">
-                <a:solidFill>
-                  <a:schemeClr val="bg1"/>
-                </a:solidFill>
-              </a:rPr>
-              <a:t>Multimap</a:t>
-            </a:r>
-          </a:p>
-        </p:txBody>
-      </p:sp>
-      <p:cxnSp>
-        <p:nvCxnSpPr>
-          <p:cNvPr id="112" name="Elbow Connector 12"/>
-          <p:cNvCxnSpPr>
-            <a:cxnSpLocks/>
-            <a:stCxn id="109" idx="1"/>
-            <a:endCxn id="58" idx="3"/>
-          </p:cNvCxnSpPr>
-          <p:nvPr/>
-        </p:nvCxnSpPr>
-        <p:spPr>
-          <a:xfrm rot="10800000" flipV="1">
-            <a:off x="2964740" y="2540509"/>
-            <a:ext cx="209475" cy="1261"/>
-          </a:xfrm>
-          <a:prstGeom prst="bentConnector3">
-            <a:avLst>
-              <a:gd name="adj1" fmla="val 50000"/>
-            </a:avLst>
-          </a:prstGeom>
-          <a:ln w="19050">
-            <a:solidFill>
-              <a:schemeClr val="accent5">
-                <a:lumMod val="60000"/>
-                <a:lumOff val="40000"/>
-              </a:schemeClr>
-            </a:solidFill>
-            <a:prstDash val="sysDot"/>
-            <a:headEnd type="none" w="med" len="med"/>
-            <a:tailEnd type="arrow" w="med" len="med"/>
-          </a:ln>
-          <a:effectLst/>
-        </p:spPr>
-        <p:style>
-          <a:lnRef idx="1">
-            <a:schemeClr val="accent2"/>
-          </a:lnRef>
-          <a:fillRef idx="2">
-            <a:schemeClr val="accent2"/>
-          </a:fillRef>
-          <a:effectRef idx="1">
-            <a:schemeClr val="accent2"/>
-          </a:effectRef>
-          <a:fontRef idx="minor">
-            <a:schemeClr val="dk1"/>
-          </a:fontRef>
-        </p:style>
-      </p:cxnSp>
-      <p:cxnSp>
-        <p:nvCxnSpPr>
-          <p:cNvPr id="118" name="Elbow Connector 49"/>
-          <p:cNvCxnSpPr>
-            <a:cxnSpLocks/>
-            <a:stCxn id="56" idx="2"/>
-            <a:endCxn id="109" idx="0"/>
-          </p:cNvCxnSpPr>
-          <p:nvPr/>
-        </p:nvCxnSpPr>
-        <p:spPr>
-          <a:xfrm rot="5400000">
-            <a:off x="3469242" y="2289605"/>
-            <a:ext cx="160576" cy="476"/>
-          </a:xfrm>
-          <a:prstGeom prst="bentConnector3">
-            <a:avLst>
-              <a:gd name="adj1" fmla="val 50000"/>
-            </a:avLst>
-          </a:prstGeom>
-          <a:ln w="19050">
-            <a:solidFill>
-              <a:schemeClr val="accent5">
-                <a:lumMod val="60000"/>
-                <a:lumOff val="40000"/>
-              </a:schemeClr>
-            </a:solidFill>
-            <a:prstDash val="sysDot"/>
-            <a:headEnd type="none" w="med" len="med"/>
-            <a:tailEnd type="arrow" w="med" len="med"/>
-          </a:ln>
-          <a:effectLst/>
-        </p:spPr>
-        <p:style>
-          <a:lnRef idx="1">
-            <a:schemeClr val="accent2"/>
-          </a:lnRef>
-          <a:fillRef idx="2">
-            <a:schemeClr val="accent2"/>
-          </a:fillRef>
-          <a:effectRef idx="1">
-            <a:schemeClr val="accent2"/>
-          </a:effectRef>
-          <a:fontRef idx="minor">
-            <a:schemeClr val="dk1"/>
-          </a:fontRef>
-        </p:style>
-      </p:cxnSp>
-      <p:cxnSp>
-        <p:nvCxnSpPr>
-          <p:cNvPr id="123" name="Straight Connector 122"/>
-          <p:cNvCxnSpPr>
-            <a:cxnSpLocks/>
-            <a:stCxn id="109" idx="3"/>
-          </p:cNvCxnSpPr>
-          <p:nvPr/>
-        </p:nvCxnSpPr>
-        <p:spPr>
-          <a:xfrm flipV="1">
-            <a:off x="3924370" y="2535795"/>
-            <a:ext cx="322202" cy="4715"/>
-          </a:xfrm>
-          <a:prstGeom prst="line">
-            <a:avLst/>
-          </a:prstGeom>
-          <a:ln w="19050">
-            <a:solidFill>
-              <a:schemeClr val="accent5">
-                <a:lumMod val="50000"/>
-              </a:schemeClr>
-            </a:solidFill>
-            <a:prstDash val="sysDot"/>
-            <a:headEnd type="arrow" w="med" len="med"/>
-            <a:tailEnd type="none" w="med" len="med"/>
-          </a:ln>
-          <a:effectLst/>
-        </p:spPr>
-        <p:style>
-          <a:lnRef idx="1">
-            <a:schemeClr val="accent2"/>
-          </a:lnRef>
-          <a:fillRef idx="2">
-            <a:schemeClr val="accent2"/>
-          </a:fillRef>
-          <a:effectRef idx="1">
-            <a:schemeClr val="accent2"/>
-          </a:effectRef>
-          <a:fontRef idx="minor">
-            <a:schemeClr val="dk1"/>
-          </a:fontRef>
-        </p:style>
-      </p:cxnSp>
-      <p:sp>
-        <p:nvSpPr>
-          <p:cNvPr id="86" name="Rectangle 62"/>
-          <p:cNvSpPr/>
-          <p:nvPr/>
-        </p:nvSpPr>
-        <p:spPr>
-          <a:xfrm>
-            <a:off x="1295065" y="4183424"/>
-            <a:ext cx="805984" cy="346760"/>
-          </a:xfrm>
-          <a:prstGeom prst="rect">
-            <a:avLst/>
-          </a:prstGeom>
-          <a:solidFill>
-            <a:srgbClr val="0070C0"/>
-          </a:solidFill>
-          <a:ln w="19050">
-            <a:solidFill>
-              <a:srgbClr val="0070C0"/>
-            </a:solidFill>
-          </a:ln>
-          <a:effectLst/>
-        </p:spPr>
-        <p:style>
-          <a:lnRef idx="1">
-            <a:schemeClr val="accent2"/>
-          </a:lnRef>
-          <a:fillRef idx="2">
-            <a:schemeClr val="accent2"/>
-          </a:fillRef>
-          <a:effectRef idx="1">
-            <a:schemeClr val="accent2"/>
-          </a:effectRef>
-          <a:fontRef idx="minor">
-            <a:schemeClr val="dk1"/>
-          </a:fontRef>
-        </p:style>
-        <p:txBody>
-          <a:bodyPr rtlCol="0" anchor="ctr"/>
-          <a:lstStyle/>
-          <a:p>
-            <a:pPr algn="ctr"/>
-            <a:r>
-              <a:rPr lang="en-US" sz="1050" smtClean="0">
-                <a:solidFill>
-                  <a:schemeClr val="bg1"/>
-                </a:solidFill>
-              </a:rPr>
-              <a:t>Command</a:t>
-            </a:r>
-          </a:p>
-          <a:p>
-            <a:pPr algn="ctr"/>
-            <a:r>
-              <a:rPr lang="en-US" sz="1050" dirty="0" smtClean="0">
-                <a:solidFill>
-                  <a:schemeClr val="bg1"/>
-                </a:solidFill>
-              </a:rPr>
-              <a:t>History</a:t>
-            </a:r>
-            <a:endParaRPr lang="en-SG" sz="1050" dirty="0">
-              <a:solidFill>
-                <a:schemeClr val="bg1"/>
-              </a:solidFill>
-            </a:endParaRPr>
-          </a:p>
-        </p:txBody>
-      </p:sp>
-      <p:cxnSp>
-        <p:nvCxnSpPr>
-          <p:cNvPr id="88" name="Straight Arrow Connector 57"/>
-          <p:cNvCxnSpPr/>
-          <p:nvPr/>
-        </p:nvCxnSpPr>
-        <p:spPr>
-          <a:xfrm>
-            <a:off x="1971157" y="3939492"/>
-            <a:ext cx="2022" cy="240622"/>
-          </a:xfrm>
-          <a:prstGeom prst="straightConnector1">
-            <a:avLst/>
-          </a:prstGeom>
-          <a:ln w="19050">
-            <a:solidFill>
-              <a:srgbClr val="0070C0"/>
-            </a:solidFill>
-            <a:headEnd type="none" w="med" len="med"/>
-            <a:tailEnd type="arrow" w="med" len="med"/>
-          </a:ln>
-          <a:effectLst/>
-        </p:spPr>
-        <p:style>
-          <a:lnRef idx="1">
-            <a:schemeClr val="accent2"/>
-          </a:lnRef>
-          <a:fillRef idx="2">
-            <a:schemeClr val="accent2"/>
-          </a:fillRef>
-          <a:effectRef idx="1">
-            <a:schemeClr val="accent2"/>
-          </a:effectRef>
-          <a:fontRef idx="minor">
-            <a:schemeClr val="dk1"/>
-          </a:fontRef>
-        </p:style>
-      </p:cxnSp>
-      <p:sp>
-        <p:nvSpPr>
-          <p:cNvPr id="91" name="TextBox 90"/>
-          <p:cNvSpPr txBox="1"/>
-          <p:nvPr/>
-        </p:nvSpPr>
-        <p:spPr>
-          <a:xfrm>
-            <a:off x="1773980" y="4000395"/>
-            <a:ext cx="131116" cy="230832"/>
-          </a:xfrm>
-          <a:prstGeom prst="rect">
-            <a:avLst/>
-          </a:prstGeom>
-          <a:noFill/>
-        </p:spPr>
-        <p:txBody>
-          <a:bodyPr wrap="square" lIns="0" tIns="0" rIns="0" bIns="0" rtlCol="0">
-            <a:noAutofit/>
-          </a:bodyPr>
-          <a:lstStyle/>
-          <a:p>
-            <a:pPr algn="r"/>
-            <a:r>
-              <a:rPr lang="en-US" sz="1100" dirty="0">
-                <a:solidFill>
-                  <a:srgbClr val="0070C0"/>
-                </a:solidFill>
-              </a:rPr>
-              <a:t>1</a:t>
-            </a:r>
-            <a:endParaRPr lang="en-SG" sz="1100" dirty="0">
-              <a:solidFill>
-                <a:srgbClr val="0070C0"/>
-              </a:solidFill>
-            </a:endParaRPr>
-          </a:p>
-        </p:txBody>
-      </p:sp>
     </p:spTree>
     <p:extLst>
       <p:ext uri="{BB962C8B-B14F-4D97-AF65-F5344CB8AC3E}">

--- a/docs/diagrams/LogicComponentClassDiagram.pptx
+++ b/docs/diagrams/LogicComponentClassDiagram.pptx
@@ -126,6 +126,10 @@
 </p:presentation>
 </file>
 
+<file path=ppt/revisionInfo.xml><?xml version="1.0" encoding="utf-8"?>
+<p1510:revInfo xmlns:a="http://schemas.openxmlformats.org/drawingml/2006/main" xmlns:r="http://schemas.openxmlformats.org/officeDocument/2006/relationships" xmlns:p1510="http://schemas.microsoft.com/office/powerpoint/2015/10/main"/>
+</file>
+
 <file path=ppt/notesMasters/notesMaster1.xml><?xml version="1.0" encoding="utf-8"?>
 <p:notesMaster xmlns:a="http://schemas.openxmlformats.org/drawingml/2006/main" xmlns:r="http://schemas.openxmlformats.org/officeDocument/2006/relationships" xmlns:p="http://schemas.openxmlformats.org/presentationml/2006/main">
   <p:cSld>
@@ -208,7 +212,7 @@
           <a:p>
             <a:fld id="{F5CC4B3F-88C1-4FFA-B1B6-F41C21DC6924}" type="datetimeFigureOut">
               <a:rPr lang="en-US" smtClean="0"/>
-              <a:t>6/2/17</a:t>
+              <a:t>7/22/2017</a:t>
             </a:fld>
             <a:endParaRPr lang="en-US"/>
           </a:p>
@@ -654,7 +658,7 @@
           <a:p>
             <a:fld id="{78C97017-6FC3-485B-9764-EAC9E56C1D49}" type="datetimeFigureOut">
               <a:rPr lang="en-US" smtClean="0"/>
-              <a:t>6/2/17</a:t>
+              <a:t>7/22/2017</a:t>
             </a:fld>
             <a:endParaRPr lang="en-US"/>
           </a:p>
@@ -822,7 +826,7 @@
           <a:p>
             <a:fld id="{78C97017-6FC3-485B-9764-EAC9E56C1D49}" type="datetimeFigureOut">
               <a:rPr lang="en-US" smtClean="0"/>
-              <a:t>6/2/17</a:t>
+              <a:t>7/22/2017</a:t>
             </a:fld>
             <a:endParaRPr lang="en-US"/>
           </a:p>
@@ -1000,7 +1004,7 @@
           <a:p>
             <a:fld id="{78C97017-6FC3-485B-9764-EAC9E56C1D49}" type="datetimeFigureOut">
               <a:rPr lang="en-US" smtClean="0"/>
-              <a:t>6/2/17</a:t>
+              <a:t>7/22/2017</a:t>
             </a:fld>
             <a:endParaRPr lang="en-US"/>
           </a:p>
@@ -1168,7 +1172,7 @@
           <a:p>
             <a:fld id="{78C97017-6FC3-485B-9764-EAC9E56C1D49}" type="datetimeFigureOut">
               <a:rPr lang="en-US" smtClean="0"/>
-              <a:t>6/2/17</a:t>
+              <a:t>7/22/2017</a:t>
             </a:fld>
             <a:endParaRPr lang="en-US"/>
           </a:p>
@@ -1413,7 +1417,7 @@
           <a:p>
             <a:fld id="{78C97017-6FC3-485B-9764-EAC9E56C1D49}" type="datetimeFigureOut">
               <a:rPr lang="en-US" smtClean="0"/>
-              <a:t>6/2/17</a:t>
+              <a:t>7/22/2017</a:t>
             </a:fld>
             <a:endParaRPr lang="en-US"/>
           </a:p>
@@ -1698,7 +1702,7 @@
           <a:p>
             <a:fld id="{78C97017-6FC3-485B-9764-EAC9E56C1D49}" type="datetimeFigureOut">
               <a:rPr lang="en-US" smtClean="0"/>
-              <a:t>6/2/17</a:t>
+              <a:t>7/22/2017</a:t>
             </a:fld>
             <a:endParaRPr lang="en-US"/>
           </a:p>
@@ -2117,7 +2121,7 @@
           <a:p>
             <a:fld id="{78C97017-6FC3-485B-9764-EAC9E56C1D49}" type="datetimeFigureOut">
               <a:rPr lang="en-US" smtClean="0"/>
-              <a:t>6/2/17</a:t>
+              <a:t>7/22/2017</a:t>
             </a:fld>
             <a:endParaRPr lang="en-US"/>
           </a:p>
@@ -2234,7 +2238,7 @@
           <a:p>
             <a:fld id="{78C97017-6FC3-485B-9764-EAC9E56C1D49}" type="datetimeFigureOut">
               <a:rPr lang="en-US" smtClean="0"/>
-              <a:t>6/2/17</a:t>
+              <a:t>7/22/2017</a:t>
             </a:fld>
             <a:endParaRPr lang="en-US"/>
           </a:p>
@@ -2329,7 +2333,7 @@
           <a:p>
             <a:fld id="{78C97017-6FC3-485B-9764-EAC9E56C1D49}" type="datetimeFigureOut">
               <a:rPr lang="en-US" smtClean="0"/>
-              <a:t>6/2/17</a:t>
+              <a:t>7/22/2017</a:t>
             </a:fld>
             <a:endParaRPr lang="en-US"/>
           </a:p>
@@ -2604,7 +2608,7 @@
           <a:p>
             <a:fld id="{78C97017-6FC3-485B-9764-EAC9E56C1D49}" type="datetimeFigureOut">
               <a:rPr lang="en-US" smtClean="0"/>
-              <a:t>6/2/17</a:t>
+              <a:t>7/22/2017</a:t>
             </a:fld>
             <a:endParaRPr lang="en-US"/>
           </a:p>
@@ -2856,7 +2860,7 @@
           <a:p>
             <a:fld id="{78C97017-6FC3-485B-9764-EAC9E56C1D49}" type="datetimeFigureOut">
               <a:rPr lang="en-US" smtClean="0"/>
-              <a:t>6/2/17</a:t>
+              <a:t>7/22/2017</a:t>
             </a:fld>
             <a:endParaRPr lang="en-US"/>
           </a:p>
@@ -3067,7 +3071,7 @@
           <a:p>
             <a:fld id="{78C97017-6FC3-485B-9764-EAC9E56C1D49}" type="datetimeFigureOut">
               <a:rPr lang="en-US" smtClean="0"/>
-              <a:t>6/2/17</a:t>
+              <a:t>7/22/2017</a:t>
             </a:fld>
             <a:endParaRPr lang="en-US"/>
           </a:p>
@@ -3450,7 +3454,7 @@
         </p:nvSpPr>
         <p:spPr>
           <a:xfrm>
-            <a:off x="1066800" y="914400"/>
+            <a:off x="1084942" y="956865"/>
             <a:ext cx="7467600" cy="3733800"/>
           </a:xfrm>
           <a:prstGeom prst="roundRect">
@@ -3511,7 +3515,7 @@
         </p:nvSpPr>
         <p:spPr>
           <a:xfrm>
-            <a:off x="2095948" y="1253067"/>
+            <a:off x="2087465" y="1016521"/>
             <a:ext cx="1093635" cy="346760"/>
           </a:xfrm>
           <a:prstGeom prst="rect">
@@ -3681,19 +3685,18 @@
         <p:nvCxnSpPr>
           <p:cNvPr id="6" name="Elbow Connector 63"/>
           <p:cNvCxnSpPr>
-            <a:stCxn id="12" idx="3"/>
-            <a:endCxn id="3" idx="3"/>
+            <a:cxnSpLocks/>
           </p:cNvCxnSpPr>
           <p:nvPr/>
         </p:nvCxnSpPr>
         <p:spPr>
           <a:xfrm flipH="1" flipV="1">
-            <a:off x="3189583" y="1426447"/>
-            <a:ext cx="5020699" cy="2895973"/>
+            <a:off x="3171003" y="1071139"/>
+            <a:ext cx="5029182" cy="3132519"/>
           </a:xfrm>
           <a:prstGeom prst="bentConnector3">
             <a:avLst>
-              <a:gd name="adj1" fmla="val -2713"/>
+              <a:gd name="adj1" fmla="val -4545"/>
             </a:avLst>
           </a:prstGeom>
           <a:ln w="19050">
@@ -3725,14 +3728,14 @@
         <p:nvCxnSpPr>
           <p:cNvPr id="8" name="Elbow Connector 122"/>
           <p:cNvCxnSpPr>
-            <a:endCxn id="3" idx="1"/>
+            <a:cxnSpLocks/>
           </p:cNvCxnSpPr>
           <p:nvPr/>
         </p:nvCxnSpPr>
         <p:spPr>
-          <a:xfrm>
-            <a:off x="1676400" y="1423587"/>
-            <a:ext cx="419548" cy="2860"/>
+          <a:xfrm flipV="1">
+            <a:off x="1590692" y="1262046"/>
+            <a:ext cx="522720" cy="6735"/>
           </a:xfrm>
           <a:prstGeom prst="bentConnector3">
             <a:avLst>
@@ -3888,8 +3891,8 @@
         </p:nvSpPr>
         <p:spPr>
           <a:xfrm flipH="1">
-            <a:off x="6526365" y="3396383"/>
-            <a:ext cx="1093635" cy="346760"/>
+            <a:off x="6586395" y="3378066"/>
+            <a:ext cx="1118700" cy="398685"/>
           </a:xfrm>
           <a:prstGeom prst="rect">
             <a:avLst/>
@@ -3921,27 +3924,12 @@
           <a:p>
             <a:pPr algn="ctr"/>
             <a:r>
-              <a:rPr lang="en-US" sz="1050" b="1" dirty="0">
+              <a:rPr lang="en-US" sz="1050" b="1" dirty="0" err="1">
                 <a:solidFill>
                   <a:srgbClr val="0070C0"/>
                 </a:solidFill>
               </a:rPr>
-              <a:t>Incorrect</a:t>
-            </a:r>
-            <a:br>
-              <a:rPr lang="en-US" sz="1050" b="1" dirty="0">
-                <a:solidFill>
-                  <a:srgbClr val="0070C0"/>
-                </a:solidFill>
-              </a:rPr>
-            </a:br>
-            <a:r>
-              <a:rPr lang="en-US" sz="1050" b="1" dirty="0">
-                <a:solidFill>
-                  <a:srgbClr val="0070C0"/>
-                </a:solidFill>
-              </a:rPr>
-              <a:t>Command</a:t>
+              <a:t>DeleteCommand</a:t>
             </a:r>
             <a:endParaRPr lang="en-SG" sz="1050" b="1" dirty="0">
               <a:solidFill>
@@ -4170,8 +4158,8 @@
         </p:nvSpPr>
         <p:spPr>
           <a:xfrm rot="16200000">
-            <a:off x="398120" y="2150720"/>
-            <a:ext cx="2209800" cy="346760"/>
+            <a:off x="329180" y="2219370"/>
+            <a:ext cx="2249429" cy="249087"/>
           </a:xfrm>
           <a:prstGeom prst="rect">
             <a:avLst/>
@@ -4562,10 +4550,10 @@
         </p:nvGrpSpPr>
         <p:grpSpPr>
           <a:xfrm>
-            <a:off x="4665110" y="1219200"/>
-            <a:ext cx="868568" cy="230832"/>
-            <a:chOff x="2755838" y="789460"/>
-            <a:chExt cx="868568" cy="230832"/>
+            <a:off x="4689896" y="1044175"/>
+            <a:ext cx="835026" cy="230832"/>
+            <a:chOff x="2789219" y="608209"/>
+            <a:chExt cx="835026" cy="230832"/>
           </a:xfrm>
         </p:grpSpPr>
         <p:sp>
@@ -4576,7 +4564,7 @@
           </p:nvSpPr>
           <p:spPr>
             <a:xfrm>
-              <a:off x="2895600" y="789460"/>
+              <a:off x="2895439" y="608209"/>
               <a:ext cx="728806" cy="230832"/>
             </a:xfrm>
             <a:prstGeom prst="rect">
@@ -4614,7 +4602,7 @@
           </p:nvSpPr>
           <p:spPr>
             <a:xfrm rot="16200000" flipH="1">
-              <a:off x="2730963" y="857181"/>
+              <a:off x="2764344" y="685524"/>
               <a:ext cx="125951" cy="76201"/>
             </a:xfrm>
             <a:prstGeom prst="triangle">
@@ -4648,7 +4636,7 @@
             <a:lstStyle/>
             <a:p>
               <a:pPr algn="ctr"/>
-              <a:endParaRPr lang="en-SG"/>
+              <a:endParaRPr lang="en-SG" dirty="0"/>
             </a:p>
           </p:txBody>
         </p:sp>
@@ -4700,8 +4688,8 @@
         </p:nvSpPr>
         <p:spPr>
           <a:xfrm flipH="1">
-            <a:off x="6526365" y="2956137"/>
-            <a:ext cx="1093635" cy="346760"/>
+            <a:off x="6460514" y="2990485"/>
+            <a:ext cx="1159486" cy="312411"/>
           </a:xfrm>
           <a:prstGeom prst="rect">
             <a:avLst/>
@@ -4751,13 +4739,15 @@
       <p:cxnSp>
         <p:nvCxnSpPr>
           <p:cNvPr id="39" name="Elbow Connector 122"/>
-          <p:cNvCxnSpPr/>
+          <p:cNvCxnSpPr>
+            <a:cxnSpLocks/>
+          </p:cNvCxnSpPr>
           <p:nvPr/>
         </p:nvCxnSpPr>
         <p:spPr>
-          <a:xfrm rot="5400000" flipH="1" flipV="1">
-            <a:off x="1193276" y="2601868"/>
-            <a:ext cx="1969553" cy="2764"/>
+          <a:xfrm rot="16200000" flipV="1">
+            <a:off x="1047209" y="2458564"/>
+            <a:ext cx="2253411" cy="5515"/>
           </a:xfrm>
           <a:prstGeom prst="bentConnector3">
             <a:avLst>
@@ -4939,8 +4929,8 @@
         </p:nvSpPr>
         <p:spPr>
           <a:xfrm flipH="1">
-            <a:off x="4831292" y="2977582"/>
-            <a:ext cx="1093635" cy="346760"/>
+            <a:off x="4832122" y="3391567"/>
+            <a:ext cx="1217713" cy="346209"/>
           </a:xfrm>
           <a:prstGeom prst="rect">
             <a:avLst/>
@@ -4971,12 +4961,44 @@
           <a:p>
             <a:pPr algn="ctr"/>
             <a:r>
+              <a:rPr lang="en-US" sz="1050" b="1" dirty="0" err="1">
+                <a:solidFill>
+                  <a:schemeClr val="bg1"/>
+                </a:solidFill>
+              </a:rPr>
+              <a:t>D</a:t>
+            </a:r>
+            <a:r>
+              <a:rPr lang="en-US" altLang="zh-CN" sz="1050" b="1" dirty="0" err="1">
+                <a:solidFill>
+                  <a:schemeClr val="bg1"/>
+                </a:solidFill>
+              </a:rPr>
+              <a:t>elete</a:t>
+            </a:r>
+            <a:r>
+              <a:rPr lang="en-US" sz="1050" b="1" dirty="0" err="1">
+                <a:solidFill>
+                  <a:schemeClr val="bg1"/>
+                </a:solidFill>
+              </a:rPr>
+              <a:t>Command</a:t>
+            </a:r>
+            <a:endParaRPr lang="en-US" sz="1050" b="1" dirty="0">
+              <a:solidFill>
+                <a:schemeClr val="bg1"/>
+              </a:solidFill>
+            </a:endParaRPr>
+          </a:p>
+          <a:p>
+            <a:pPr algn="ctr"/>
+            <a:r>
               <a:rPr lang="en-US" sz="1050" b="1" dirty="0">
                 <a:solidFill>
                   <a:schemeClr val="bg1"/>
                 </a:solidFill>
               </a:rPr>
-              <a:t>…</a:t>
+              <a:t>Parser</a:t>
             </a:r>
             <a:endParaRPr lang="en-SG" sz="1050" b="1" dirty="0">
               <a:solidFill>
@@ -4994,7 +5016,7 @@
         </p:nvSpPr>
         <p:spPr>
           <a:xfrm>
-            <a:off x="3174214" y="1862795"/>
+            <a:off x="3195859" y="2056866"/>
             <a:ext cx="751107" cy="346760"/>
           </a:xfrm>
           <a:prstGeom prst="rect">
@@ -5036,7 +5058,7 @@
           <a:p>
             <a:pPr algn="ctr"/>
             <a:r>
-              <a:rPr lang="en-US" sz="1050">
+              <a:rPr lang="en-US" sz="1050" dirty="0">
                 <a:solidFill>
                   <a:schemeClr val="bg1"/>
                 </a:solidFill>
@@ -5044,14 +5066,14 @@
               <a:t>Argument</a:t>
             </a:r>
             <a:br>
-              <a:rPr lang="en-US" sz="1050">
+              <a:rPr lang="en-US" sz="1050" dirty="0">
                 <a:solidFill>
                   <a:schemeClr val="bg1"/>
                 </a:solidFill>
               </a:rPr>
             </a:br>
             <a:r>
-              <a:rPr lang="en-US" sz="1050">
+              <a:rPr lang="en-US" sz="1050" dirty="0">
                 <a:solidFill>
                   <a:schemeClr val="bg1"/>
                 </a:solidFill>
@@ -5349,7 +5371,7 @@
         </p:nvSpPr>
         <p:spPr>
           <a:xfrm>
-            <a:off x="3186326" y="2841725"/>
+            <a:off x="3192734" y="2939122"/>
             <a:ext cx="731636" cy="283820"/>
           </a:xfrm>
           <a:prstGeom prst="rect">
@@ -5414,7 +5436,7 @@
         </p:nvSpPr>
         <p:spPr>
           <a:xfrm>
-            <a:off x="3186326" y="3190882"/>
+            <a:off x="3181100" y="3275659"/>
             <a:ext cx="731636" cy="283820"/>
           </a:xfrm>
           <a:prstGeom prst="rect">
@@ -5482,7 +5504,7 @@
         </p:nvCxnSpPr>
         <p:spPr>
           <a:xfrm flipH="1">
-            <a:off x="3917962" y="2983635"/>
+            <a:off x="3924370" y="3081032"/>
             <a:ext cx="335164" cy="0"/>
           </a:xfrm>
           <a:prstGeom prst="straightConnector1">
@@ -5526,7 +5548,7 @@
         </p:nvCxnSpPr>
         <p:spPr>
           <a:xfrm flipH="1">
-            <a:off x="3917962" y="3332439"/>
+            <a:off x="3912736" y="3417216"/>
             <a:ext cx="335164" cy="353"/>
           </a:xfrm>
           <a:prstGeom prst="straightConnector1">
@@ -5571,8 +5593,8 @@
         </p:nvCxnSpPr>
         <p:spPr>
           <a:xfrm rot="10800000">
-            <a:off x="2601618" y="2629061"/>
-            <a:ext cx="584708" cy="354574"/>
+            <a:off x="2601618" y="2629062"/>
+            <a:ext cx="591116" cy="451971"/>
           </a:xfrm>
           <a:prstGeom prst="bentConnector2">
             <a:avLst/>
@@ -5616,7 +5638,7 @@
         </p:nvCxnSpPr>
         <p:spPr>
           <a:xfrm>
-            <a:off x="3925321" y="2036175"/>
+            <a:off x="3946966" y="2230246"/>
             <a:ext cx="327805" cy="107"/>
           </a:xfrm>
           <a:prstGeom prst="line">
@@ -5654,18 +5676,18 @@
           <p:cNvPr id="50" name="Elbow Connector 49"/>
           <p:cNvCxnSpPr>
             <a:cxnSpLocks/>
-            <a:stCxn id="56" idx="1"/>
-            <a:endCxn id="58" idx="0"/>
           </p:cNvCxnSpPr>
           <p:nvPr/>
         </p:nvCxnSpPr>
         <p:spPr>
           <a:xfrm rot="10800000" flipV="1">
-            <a:off x="2601618" y="2036175"/>
-            <a:ext cx="572596" cy="418306"/>
-          </a:xfrm>
-          <a:prstGeom prst="bentConnector2">
-            <a:avLst/>
+            <a:off x="2829449" y="2233143"/>
+            <a:ext cx="353141" cy="247104"/>
+          </a:xfrm>
+          <a:prstGeom prst="bentConnector3">
+            <a:avLst>
+              <a:gd name="adj1" fmla="val 101432"/>
+            </a:avLst>
           </a:prstGeom>
           <a:ln w="19050">
             <a:solidFill>
@@ -5703,10 +5725,10 @@
         </p:nvGrpSpPr>
         <p:grpSpPr>
           <a:xfrm rot="5400000">
-            <a:off x="4346209" y="3538793"/>
-            <a:ext cx="555486" cy="254462"/>
-            <a:chOff x="3703306" y="644022"/>
-            <a:chExt cx="555486" cy="230832"/>
+            <a:off x="4367609" y="3746019"/>
+            <a:ext cx="516107" cy="233114"/>
+            <a:chOff x="3716166" y="686442"/>
+            <a:chExt cx="751357" cy="181332"/>
           </a:xfrm>
         </p:grpSpPr>
         <p:sp>
@@ -5717,8 +5739,8 @@
           </p:nvSpPr>
           <p:spPr>
             <a:xfrm rot="10800000">
-              <a:off x="3703306" y="644022"/>
-              <a:ext cx="555486" cy="230832"/>
+              <a:off x="3767286" y="686442"/>
+              <a:ext cx="700237" cy="181332"/>
             </a:xfrm>
             <a:prstGeom prst="rect">
               <a:avLst/>
@@ -5804,6 +5826,7 @@
         <p:nvCxnSpPr>
           <p:cNvPr id="84" name="Elbow Connector 83"/>
           <p:cNvCxnSpPr>
+            <a:cxnSpLocks/>
             <a:stCxn id="87" idx="3"/>
             <a:endCxn id="37" idx="1"/>
           </p:cNvCxnSpPr>
@@ -5811,8 +5834,8 @@
         </p:nvCxnSpPr>
         <p:spPr>
           <a:xfrm rot="16200000" flipV="1">
-            <a:off x="7296652" y="3452865"/>
-            <a:ext cx="850958" cy="204262"/>
+            <a:off x="7305239" y="3461452"/>
+            <a:ext cx="833784" cy="204262"/>
           </a:xfrm>
           <a:prstGeom prst="bentConnector2">
             <a:avLst/>
@@ -5895,6 +5918,7 @@
         <p:nvCxnSpPr>
           <p:cNvPr id="90" name="Elbow Connector 89"/>
           <p:cNvCxnSpPr>
+            <a:cxnSpLocks/>
             <a:stCxn id="87" idx="3"/>
             <a:endCxn id="11" idx="1"/>
           </p:cNvCxnSpPr>
@@ -5902,8 +5926,8 @@
         </p:nvCxnSpPr>
         <p:spPr>
           <a:xfrm rot="16200000" flipV="1">
-            <a:off x="7516775" y="3672988"/>
-            <a:ext cx="410712" cy="204262"/>
+            <a:off x="7563146" y="3719358"/>
+            <a:ext cx="403066" cy="119167"/>
           </a:xfrm>
           <a:prstGeom prst="bentConnector2">
             <a:avLst/>
@@ -6006,15 +6030,15 @@
         <p:nvCxnSpPr>
           <p:cNvPr id="110" name="Elbow Connector 63"/>
           <p:cNvCxnSpPr>
+            <a:cxnSpLocks/>
             <a:stCxn id="16" idx="3"/>
-            <a:endCxn id="45" idx="3"/>
           </p:cNvCxnSpPr>
           <p:nvPr/>
         </p:nvCxnSpPr>
         <p:spPr>
           <a:xfrm flipV="1">
-            <a:off x="4114800" y="3150962"/>
-            <a:ext cx="716492" cy="604313"/>
+            <a:off x="4114800" y="3552279"/>
+            <a:ext cx="743786" cy="202996"/>
           </a:xfrm>
           <a:prstGeom prst="bentConnector3">
             <a:avLst>
@@ -6243,9 +6267,9 @@
           <p:nvPr/>
         </p:nvCxnSpPr>
         <p:spPr>
-          <a:xfrm>
-            <a:off x="4248488" y="2033984"/>
-            <a:ext cx="0" cy="1304815"/>
+          <a:xfrm flipH="1">
+            <a:off x="4231416" y="1378988"/>
+            <a:ext cx="9472" cy="2086601"/>
           </a:xfrm>
           <a:prstGeom prst="line">
             <a:avLst/>
@@ -6414,7 +6438,7 @@
         </p:nvSpPr>
         <p:spPr>
           <a:xfrm>
-            <a:off x="3174214" y="2370131"/>
+            <a:off x="3195859" y="2539177"/>
             <a:ext cx="750156" cy="340758"/>
           </a:xfrm>
           <a:prstGeom prst="rect">
@@ -6492,9 +6516,9 @@
           <p:nvPr/>
         </p:nvCxnSpPr>
         <p:spPr>
-          <a:xfrm rot="10800000" flipV="1">
-            <a:off x="2964740" y="2540509"/>
-            <a:ext cx="209475" cy="1261"/>
+          <a:xfrm rot="10800000">
+            <a:off x="2964739" y="2541772"/>
+            <a:ext cx="231120" cy="167785"/>
           </a:xfrm>
           <a:prstGeom prst="bentConnector3">
             <a:avLst>
@@ -6541,8 +6565,8 @@
         </p:nvCxnSpPr>
         <p:spPr>
           <a:xfrm rot="5400000">
-            <a:off x="3469242" y="2289605"/>
-            <a:ext cx="160576" cy="476"/>
+            <a:off x="3503400" y="2471163"/>
+            <a:ext cx="135551" cy="476"/>
           </a:xfrm>
           <a:prstGeom prst="bentConnector3">
             <a:avLst>
@@ -6588,7 +6612,7 @@
         </p:nvCxnSpPr>
         <p:spPr>
           <a:xfrm flipV="1">
-            <a:off x="3924370" y="2535795"/>
+            <a:off x="3946015" y="2704841"/>
             <a:ext cx="322202" cy="4715"/>
           </a:xfrm>
           <a:prstGeom prst="line">
@@ -6665,7 +6689,7 @@
           <a:p>
             <a:pPr algn="ctr"/>
             <a:r>
-              <a:rPr lang="en-US" sz="1050" smtClean="0">
+              <a:rPr lang="en-US" sz="1050">
                 <a:solidFill>
                   <a:schemeClr val="bg1"/>
                 </a:solidFill>
@@ -6676,7 +6700,7 @@
           <a:p>
             <a:pPr algn="ctr"/>
             <a:r>
-              <a:rPr lang="en-US" sz="1050" dirty="0" smtClean="0">
+              <a:rPr lang="en-US" sz="1050" dirty="0">
                 <a:solidFill>
                   <a:schemeClr val="bg1"/>
                 </a:solidFill>
@@ -6768,6 +6792,1389 @@
           </a:p>
         </p:txBody>
       </p:sp>
+      <p:cxnSp>
+        <p:nvCxnSpPr>
+          <p:cNvPr id="75" name="Elbow Connector 63">
+            <a:extLst>
+              <a:ext uri="{FF2B5EF4-FFF2-40B4-BE49-F238E27FC236}">
+                <a16:creationId xmlns:a16="http://schemas.microsoft.com/office/drawing/2014/main" id="{E0DA140B-4DB5-40A7-982C-68C3B72D739D}"/>
+              </a:ext>
+            </a:extLst>
+          </p:cNvPr>
+          <p:cNvCxnSpPr>
+            <a:cxnSpLocks/>
+          </p:cNvCxnSpPr>
+          <p:nvPr/>
+        </p:nvCxnSpPr>
+        <p:spPr>
+          <a:xfrm rot="16200000" flipH="1">
+            <a:off x="5000352" y="3810466"/>
+            <a:ext cx="145376" cy="3"/>
+          </a:xfrm>
+          <a:prstGeom prst="bentConnector3">
+            <a:avLst>
+              <a:gd name="adj1" fmla="val 50000"/>
+            </a:avLst>
+          </a:prstGeom>
+          <a:ln w="19050">
+            <a:solidFill>
+              <a:schemeClr val="accent5">
+                <a:lumMod val="75000"/>
+              </a:schemeClr>
+            </a:solidFill>
+            <a:prstDash val="sysDot"/>
+            <a:headEnd type="none" w="med" len="med"/>
+            <a:tailEnd type="arrow" w="med" len="med"/>
+          </a:ln>
+          <a:effectLst/>
+        </p:spPr>
+        <p:style>
+          <a:lnRef idx="1">
+            <a:schemeClr val="accent2"/>
+          </a:lnRef>
+          <a:fillRef idx="2">
+            <a:schemeClr val="accent2"/>
+          </a:fillRef>
+          <a:effectRef idx="1">
+            <a:schemeClr val="accent2"/>
+          </a:effectRef>
+          <a:fontRef idx="minor">
+            <a:schemeClr val="dk1"/>
+          </a:fontRef>
+        </p:style>
+      </p:cxnSp>
+      <p:cxnSp>
+        <p:nvCxnSpPr>
+          <p:cNvPr id="79" name="Elbow Connector 63">
+            <a:extLst>
+              <a:ext uri="{FF2B5EF4-FFF2-40B4-BE49-F238E27FC236}">
+                <a16:creationId xmlns:a16="http://schemas.microsoft.com/office/drawing/2014/main" id="{C2431AE9-ADF6-46BB-8197-6EE18E57EB8E}"/>
+              </a:ext>
+            </a:extLst>
+          </p:cNvPr>
+          <p:cNvCxnSpPr>
+            <a:cxnSpLocks/>
+          </p:cNvCxnSpPr>
+          <p:nvPr/>
+        </p:nvCxnSpPr>
+        <p:spPr>
+          <a:xfrm rot="16200000" flipH="1">
+            <a:off x="5747235" y="3792352"/>
+            <a:ext cx="164967" cy="3"/>
+          </a:xfrm>
+          <a:prstGeom prst="bentConnector3">
+            <a:avLst>
+              <a:gd name="adj1" fmla="val 50000"/>
+            </a:avLst>
+          </a:prstGeom>
+          <a:ln w="19050">
+            <a:solidFill>
+              <a:schemeClr val="accent5">
+                <a:lumMod val="75000"/>
+              </a:schemeClr>
+            </a:solidFill>
+            <a:prstDash val="sysDot"/>
+            <a:headEnd type="none" w="med" len="med"/>
+            <a:tailEnd type="arrow" w="med" len="med"/>
+          </a:ln>
+          <a:effectLst/>
+        </p:spPr>
+        <p:style>
+          <a:lnRef idx="1">
+            <a:schemeClr val="accent2"/>
+          </a:lnRef>
+          <a:fillRef idx="2">
+            <a:schemeClr val="accent2"/>
+          </a:fillRef>
+          <a:effectRef idx="1">
+            <a:schemeClr val="accent2"/>
+          </a:effectRef>
+          <a:fontRef idx="minor">
+            <a:schemeClr val="dk1"/>
+          </a:fontRef>
+        </p:style>
+      </p:cxnSp>
+      <p:sp>
+        <p:nvSpPr>
+          <p:cNvPr id="102" name="Rectangle 101">
+            <a:extLst>
+              <a:ext uri="{FF2B5EF4-FFF2-40B4-BE49-F238E27FC236}">
+                <a16:creationId xmlns:a16="http://schemas.microsoft.com/office/drawing/2014/main" id="{55FFBE26-9D06-4D53-823A-3CCAD3DF1CC8}"/>
+              </a:ext>
+            </a:extLst>
+          </p:cNvPr>
+          <p:cNvSpPr/>
+          <p:nvPr/>
+        </p:nvSpPr>
+        <p:spPr>
+          <a:xfrm flipH="1">
+            <a:off x="4744661" y="3831719"/>
+            <a:ext cx="667494" cy="245865"/>
+          </a:xfrm>
+          <a:prstGeom prst="rect">
+            <a:avLst/>
+          </a:prstGeom>
+          <a:ln w="19050">
+            <a:solidFill>
+              <a:srgbClr val="0070C0"/>
+            </a:solidFill>
+          </a:ln>
+          <a:effectLst/>
+        </p:spPr>
+        <p:style>
+          <a:lnRef idx="1">
+            <a:schemeClr val="accent1"/>
+          </a:lnRef>
+          <a:fillRef idx="2">
+            <a:schemeClr val="accent1"/>
+          </a:fillRef>
+          <a:effectRef idx="1">
+            <a:schemeClr val="accent1"/>
+          </a:effectRef>
+          <a:fontRef idx="minor">
+            <a:schemeClr val="dk1"/>
+          </a:fontRef>
+        </p:style>
+        <p:txBody>
+          <a:bodyPr rtlCol="0" anchor="ctr"/>
+          <a:lstStyle/>
+          <a:p>
+            <a:pPr algn="ctr"/>
+            <a:r>
+              <a:rPr lang="en-US" sz="1050" b="1" dirty="0">
+                <a:solidFill>
+                  <a:srgbClr val="0070C0"/>
+                </a:solidFill>
+              </a:rPr>
+              <a:t>By Index</a:t>
+            </a:r>
+            <a:endParaRPr lang="en-SG" sz="1050" b="1" dirty="0">
+              <a:solidFill>
+                <a:srgbClr val="0070C0"/>
+              </a:solidFill>
+            </a:endParaRPr>
+          </a:p>
+        </p:txBody>
+      </p:sp>
+      <p:sp>
+        <p:nvSpPr>
+          <p:cNvPr id="104" name="Rectangle 103">
+            <a:extLst>
+              <a:ext uri="{FF2B5EF4-FFF2-40B4-BE49-F238E27FC236}">
+                <a16:creationId xmlns:a16="http://schemas.microsoft.com/office/drawing/2014/main" id="{544B7E6C-5B48-4AD9-ABAF-6364C27A654C}"/>
+              </a:ext>
+            </a:extLst>
+          </p:cNvPr>
+          <p:cNvSpPr/>
+          <p:nvPr/>
+        </p:nvSpPr>
+        <p:spPr>
+          <a:xfrm flipH="1">
+            <a:off x="5481165" y="3829849"/>
+            <a:ext cx="667494" cy="245865"/>
+          </a:xfrm>
+          <a:prstGeom prst="rect">
+            <a:avLst/>
+          </a:prstGeom>
+          <a:ln w="19050">
+            <a:solidFill>
+              <a:srgbClr val="0070C0"/>
+            </a:solidFill>
+          </a:ln>
+          <a:effectLst/>
+        </p:spPr>
+        <p:style>
+          <a:lnRef idx="1">
+            <a:schemeClr val="accent1"/>
+          </a:lnRef>
+          <a:fillRef idx="2">
+            <a:schemeClr val="accent1"/>
+          </a:fillRef>
+          <a:effectRef idx="1">
+            <a:schemeClr val="accent1"/>
+          </a:effectRef>
+          <a:fontRef idx="minor">
+            <a:schemeClr val="dk1"/>
+          </a:fontRef>
+        </p:style>
+        <p:txBody>
+          <a:bodyPr rtlCol="0" anchor="ctr"/>
+          <a:lstStyle/>
+          <a:p>
+            <a:pPr algn="ctr"/>
+            <a:r>
+              <a:rPr lang="en-US" sz="1050" b="1" dirty="0">
+                <a:solidFill>
+                  <a:srgbClr val="0070C0"/>
+                </a:solidFill>
+              </a:rPr>
+              <a:t>By Find</a:t>
+            </a:r>
+            <a:endParaRPr lang="en-SG" sz="1050" b="1" dirty="0">
+              <a:solidFill>
+                <a:srgbClr val="0070C0"/>
+              </a:solidFill>
+            </a:endParaRPr>
+          </a:p>
+        </p:txBody>
+      </p:sp>
+      <p:cxnSp>
+        <p:nvCxnSpPr>
+          <p:cNvPr id="106" name="Elbow Connector 95">
+            <a:extLst>
+              <a:ext uri="{FF2B5EF4-FFF2-40B4-BE49-F238E27FC236}">
+                <a16:creationId xmlns:a16="http://schemas.microsoft.com/office/drawing/2014/main" id="{C652AF5E-9A95-495E-9E05-AA30878A05FC}"/>
+              </a:ext>
+            </a:extLst>
+          </p:cNvPr>
+          <p:cNvCxnSpPr>
+            <a:cxnSpLocks/>
+            <a:endCxn id="102" idx="2"/>
+          </p:cNvCxnSpPr>
+          <p:nvPr/>
+        </p:nvCxnSpPr>
+        <p:spPr>
+          <a:xfrm rot="10800000">
+            <a:off x="5078409" y="4077584"/>
+            <a:ext cx="2164803" cy="201716"/>
+          </a:xfrm>
+          <a:prstGeom prst="bentConnector2">
+            <a:avLst/>
+          </a:prstGeom>
+          <a:ln w="19050">
+            <a:headEnd type="none" w="med" len="med"/>
+            <a:tailEnd type="none" w="med" len="med"/>
+          </a:ln>
+        </p:spPr>
+        <p:style>
+          <a:lnRef idx="1">
+            <a:schemeClr val="accent1"/>
+          </a:lnRef>
+          <a:fillRef idx="0">
+            <a:schemeClr val="accent1"/>
+          </a:fillRef>
+          <a:effectRef idx="0">
+            <a:schemeClr val="accent1"/>
+          </a:effectRef>
+          <a:fontRef idx="minor">
+            <a:schemeClr val="tx1"/>
+          </a:fontRef>
+        </p:style>
+      </p:cxnSp>
+      <p:cxnSp>
+        <p:nvCxnSpPr>
+          <p:cNvPr id="114" name="Elbow Connector 95">
+            <a:extLst>
+              <a:ext uri="{FF2B5EF4-FFF2-40B4-BE49-F238E27FC236}">
+                <a16:creationId xmlns:a16="http://schemas.microsoft.com/office/drawing/2014/main" id="{7B52C98D-CF06-4C48-B11A-A1EB82985F53}"/>
+              </a:ext>
+            </a:extLst>
+          </p:cNvPr>
+          <p:cNvCxnSpPr>
+            <a:cxnSpLocks/>
+          </p:cNvCxnSpPr>
+          <p:nvPr/>
+        </p:nvCxnSpPr>
+        <p:spPr>
+          <a:xfrm rot="5400000" flipH="1" flipV="1">
+            <a:off x="7060303" y="4114372"/>
+            <a:ext cx="339214" cy="4130"/>
+          </a:xfrm>
+          <a:prstGeom prst="bentConnector3">
+            <a:avLst>
+              <a:gd name="adj1" fmla="val 50000"/>
+            </a:avLst>
+          </a:prstGeom>
+          <a:ln w="19050">
+            <a:headEnd type="none" w="med" len="med"/>
+            <a:tailEnd type="none" w="med" len="med"/>
+          </a:ln>
+        </p:spPr>
+        <p:style>
+          <a:lnRef idx="1">
+            <a:schemeClr val="accent1"/>
+          </a:lnRef>
+          <a:fillRef idx="0">
+            <a:schemeClr val="accent1"/>
+          </a:fillRef>
+          <a:effectRef idx="0">
+            <a:schemeClr val="accent1"/>
+          </a:effectRef>
+          <a:fontRef idx="minor">
+            <a:schemeClr val="tx1"/>
+          </a:fontRef>
+        </p:style>
+      </p:cxnSp>
+      <p:sp>
+        <p:nvSpPr>
+          <p:cNvPr id="115" name="Isosceles Triangle 102">
+            <a:extLst>
+              <a:ext uri="{FF2B5EF4-FFF2-40B4-BE49-F238E27FC236}">
+                <a16:creationId xmlns:a16="http://schemas.microsoft.com/office/drawing/2014/main" id="{BEF3F31E-942D-4F64-9927-57FD4BE0D3AE}"/>
+              </a:ext>
+            </a:extLst>
+          </p:cNvPr>
+          <p:cNvSpPr/>
+          <p:nvPr/>
+        </p:nvSpPr>
+        <p:spPr>
+          <a:xfrm rot="10800000" flipV="1">
+            <a:off x="7075385" y="3757225"/>
+            <a:ext cx="270504" cy="175523"/>
+          </a:xfrm>
+          <a:prstGeom prst="triangle">
+            <a:avLst/>
+          </a:prstGeom>
+          <a:solidFill>
+            <a:schemeClr val="tx2">
+              <a:lumMod val="60000"/>
+              <a:lumOff val="40000"/>
+            </a:schemeClr>
+          </a:solidFill>
+          <a:ln w="19050">
+            <a:solidFill>
+              <a:srgbClr val="0070C0"/>
+            </a:solidFill>
+          </a:ln>
+          <a:effectLst/>
+        </p:spPr>
+        <p:style>
+          <a:lnRef idx="1">
+            <a:schemeClr val="accent1"/>
+          </a:lnRef>
+          <a:fillRef idx="2">
+            <a:schemeClr val="accent1"/>
+          </a:fillRef>
+          <a:effectRef idx="1">
+            <a:schemeClr val="accent1"/>
+          </a:effectRef>
+          <a:fontRef idx="minor">
+            <a:schemeClr val="dk1"/>
+          </a:fontRef>
+        </p:style>
+        <p:txBody>
+          <a:bodyPr rtlCol="0" anchor="ctr"/>
+          <a:lstStyle/>
+          <a:p>
+            <a:pPr algn="ctr"/>
+            <a:endParaRPr lang="en-SG" sz="1050" b="1">
+              <a:solidFill>
+                <a:srgbClr val="92D050"/>
+              </a:solidFill>
+            </a:endParaRPr>
+          </a:p>
+        </p:txBody>
+      </p:sp>
+      <p:cxnSp>
+        <p:nvCxnSpPr>
+          <p:cNvPr id="124" name="Elbow Connector 95">
+            <a:extLst>
+              <a:ext uri="{FF2B5EF4-FFF2-40B4-BE49-F238E27FC236}">
+                <a16:creationId xmlns:a16="http://schemas.microsoft.com/office/drawing/2014/main" id="{6EEE8895-2EFE-4711-89D6-E9B9B812FA85}"/>
+              </a:ext>
+            </a:extLst>
+          </p:cNvPr>
+          <p:cNvCxnSpPr>
+            <a:cxnSpLocks/>
+            <a:endCxn id="104" idx="2"/>
+          </p:cNvCxnSpPr>
+          <p:nvPr/>
+        </p:nvCxnSpPr>
+        <p:spPr>
+          <a:xfrm rot="10800000">
+            <a:off x="5814912" y="4075714"/>
+            <a:ext cx="890688" cy="86690"/>
+          </a:xfrm>
+          <a:prstGeom prst="bentConnector2">
+            <a:avLst/>
+          </a:prstGeom>
+          <a:ln w="19050">
+            <a:headEnd type="none" w="med" len="med"/>
+            <a:tailEnd type="none" w="med" len="med"/>
+          </a:ln>
+        </p:spPr>
+        <p:style>
+          <a:lnRef idx="1">
+            <a:schemeClr val="accent1"/>
+          </a:lnRef>
+          <a:fillRef idx="0">
+            <a:schemeClr val="accent1"/>
+          </a:fillRef>
+          <a:effectRef idx="0">
+            <a:schemeClr val="accent1"/>
+          </a:effectRef>
+          <a:fontRef idx="minor">
+            <a:schemeClr val="tx1"/>
+          </a:fontRef>
+        </p:style>
+      </p:cxnSp>
+      <p:cxnSp>
+        <p:nvCxnSpPr>
+          <p:cNvPr id="126" name="Elbow Connector 95">
+            <a:extLst>
+              <a:ext uri="{FF2B5EF4-FFF2-40B4-BE49-F238E27FC236}">
+                <a16:creationId xmlns:a16="http://schemas.microsoft.com/office/drawing/2014/main" id="{8C558AEE-93F3-41E7-8440-FD885434AC41}"/>
+              </a:ext>
+            </a:extLst>
+          </p:cNvPr>
+          <p:cNvCxnSpPr>
+            <a:cxnSpLocks/>
+          </p:cNvCxnSpPr>
+          <p:nvPr/>
+        </p:nvCxnSpPr>
+        <p:spPr>
+          <a:xfrm rot="16200000" flipV="1">
+            <a:off x="6521008" y="3995520"/>
+            <a:ext cx="369186" cy="2"/>
+          </a:xfrm>
+          <a:prstGeom prst="bentConnector3">
+            <a:avLst>
+              <a:gd name="adj1" fmla="val 50000"/>
+            </a:avLst>
+          </a:prstGeom>
+          <a:ln w="19050">
+            <a:headEnd type="none" w="med" len="med"/>
+            <a:tailEnd type="none" w="med" len="med"/>
+          </a:ln>
+        </p:spPr>
+        <p:style>
+          <a:lnRef idx="1">
+            <a:schemeClr val="accent1"/>
+          </a:lnRef>
+          <a:fillRef idx="0">
+            <a:schemeClr val="accent1"/>
+          </a:fillRef>
+          <a:effectRef idx="0">
+            <a:schemeClr val="accent1"/>
+          </a:effectRef>
+          <a:fontRef idx="minor">
+            <a:schemeClr val="tx1"/>
+          </a:fontRef>
+        </p:style>
+      </p:cxnSp>
+      <p:sp>
+        <p:nvSpPr>
+          <p:cNvPr id="133" name="Isosceles Triangle 102">
+            <a:extLst>
+              <a:ext uri="{FF2B5EF4-FFF2-40B4-BE49-F238E27FC236}">
+                <a16:creationId xmlns:a16="http://schemas.microsoft.com/office/drawing/2014/main" id="{171A0E87-6B50-4E62-8E46-D598129A5B4B}"/>
+              </a:ext>
+            </a:extLst>
+          </p:cNvPr>
+          <p:cNvSpPr/>
+          <p:nvPr/>
+        </p:nvSpPr>
+        <p:spPr>
+          <a:xfrm rot="10800000" flipV="1">
+            <a:off x="6556782" y="3753132"/>
+            <a:ext cx="270504" cy="175523"/>
+          </a:xfrm>
+          <a:prstGeom prst="triangle">
+            <a:avLst/>
+          </a:prstGeom>
+          <a:solidFill>
+            <a:schemeClr val="tx2">
+              <a:lumMod val="60000"/>
+              <a:lumOff val="40000"/>
+            </a:schemeClr>
+          </a:solidFill>
+          <a:ln w="19050">
+            <a:solidFill>
+              <a:srgbClr val="0070C0"/>
+            </a:solidFill>
+          </a:ln>
+          <a:effectLst/>
+        </p:spPr>
+        <p:style>
+          <a:lnRef idx="1">
+            <a:schemeClr val="accent1"/>
+          </a:lnRef>
+          <a:fillRef idx="2">
+            <a:schemeClr val="accent1"/>
+          </a:fillRef>
+          <a:effectRef idx="1">
+            <a:schemeClr val="accent1"/>
+          </a:effectRef>
+          <a:fontRef idx="minor">
+            <a:schemeClr val="dk1"/>
+          </a:fontRef>
+        </p:style>
+        <p:txBody>
+          <a:bodyPr rtlCol="0" anchor="ctr"/>
+          <a:lstStyle/>
+          <a:p>
+            <a:pPr algn="ctr"/>
+            <a:endParaRPr lang="en-SG" sz="1050" b="1">
+              <a:solidFill>
+                <a:srgbClr val="92D050"/>
+              </a:solidFill>
+            </a:endParaRPr>
+          </a:p>
+        </p:txBody>
+      </p:sp>
+      <p:sp>
+        <p:nvSpPr>
+          <p:cNvPr id="145" name="Rectangle 62">
+            <a:extLst>
+              <a:ext uri="{FF2B5EF4-FFF2-40B4-BE49-F238E27FC236}">
+                <a16:creationId xmlns:a16="http://schemas.microsoft.com/office/drawing/2014/main" id="{61B08BB3-AF27-4C09-89A0-6A34898D7D2E}"/>
+              </a:ext>
+            </a:extLst>
+          </p:cNvPr>
+          <p:cNvSpPr/>
+          <p:nvPr/>
+        </p:nvSpPr>
+        <p:spPr>
+          <a:xfrm>
+            <a:off x="3192734" y="1658971"/>
+            <a:ext cx="750156" cy="340758"/>
+          </a:xfrm>
+          <a:prstGeom prst="rect">
+            <a:avLst/>
+          </a:prstGeom>
+          <a:solidFill>
+            <a:schemeClr val="accent5">
+              <a:lumMod val="60000"/>
+              <a:lumOff val="40000"/>
+            </a:schemeClr>
+          </a:solidFill>
+          <a:ln w="19050">
+            <a:solidFill>
+              <a:schemeClr val="accent5">
+                <a:lumMod val="60000"/>
+                <a:lumOff val="40000"/>
+              </a:schemeClr>
+            </a:solidFill>
+          </a:ln>
+          <a:effectLst/>
+        </p:spPr>
+        <p:style>
+          <a:lnRef idx="1">
+            <a:schemeClr val="accent2"/>
+          </a:lnRef>
+          <a:fillRef idx="2">
+            <a:schemeClr val="accent2"/>
+          </a:fillRef>
+          <a:effectRef idx="1">
+            <a:schemeClr val="accent2"/>
+          </a:effectRef>
+          <a:fontRef idx="minor">
+            <a:schemeClr val="dk1"/>
+          </a:fontRef>
+        </p:style>
+        <p:txBody>
+          <a:bodyPr rtlCol="0" anchor="ctr"/>
+          <a:lstStyle/>
+          <a:p>
+            <a:pPr algn="ctr"/>
+            <a:r>
+              <a:rPr lang="en-SG" sz="1050">
+                <a:solidFill>
+                  <a:schemeClr val="bg1"/>
+                </a:solidFill>
+              </a:rPr>
+              <a:t>Pattern</a:t>
+            </a:r>
+            <a:endParaRPr lang="en-SG" sz="1050" dirty="0">
+              <a:solidFill>
+                <a:schemeClr val="bg1"/>
+              </a:solidFill>
+            </a:endParaRPr>
+          </a:p>
+        </p:txBody>
+      </p:sp>
+      <p:sp>
+        <p:nvSpPr>
+          <p:cNvPr id="148" name="Rectangle 62">
+            <a:extLst>
+              <a:ext uri="{FF2B5EF4-FFF2-40B4-BE49-F238E27FC236}">
+                <a16:creationId xmlns:a16="http://schemas.microsoft.com/office/drawing/2014/main" id="{3ED983B6-360C-4FB6-9CD8-10F04EE8C734}"/>
+              </a:ext>
+            </a:extLst>
+          </p:cNvPr>
+          <p:cNvSpPr/>
+          <p:nvPr/>
+        </p:nvSpPr>
+        <p:spPr>
+          <a:xfrm>
+            <a:off x="3195462" y="1208609"/>
+            <a:ext cx="750156" cy="340758"/>
+          </a:xfrm>
+          <a:prstGeom prst="rect">
+            <a:avLst/>
+          </a:prstGeom>
+          <a:solidFill>
+            <a:schemeClr val="accent5">
+              <a:lumMod val="60000"/>
+              <a:lumOff val="40000"/>
+            </a:schemeClr>
+          </a:solidFill>
+          <a:ln w="19050">
+            <a:solidFill>
+              <a:schemeClr val="accent5">
+                <a:lumMod val="60000"/>
+                <a:lumOff val="40000"/>
+              </a:schemeClr>
+            </a:solidFill>
+          </a:ln>
+          <a:effectLst/>
+        </p:spPr>
+        <p:style>
+          <a:lnRef idx="1">
+            <a:schemeClr val="accent2"/>
+          </a:lnRef>
+          <a:fillRef idx="2">
+            <a:schemeClr val="accent2"/>
+          </a:fillRef>
+          <a:effectRef idx="1">
+            <a:schemeClr val="accent2"/>
+          </a:effectRef>
+          <a:fontRef idx="minor">
+            <a:schemeClr val="dk1"/>
+          </a:fontRef>
+        </p:style>
+        <p:txBody>
+          <a:bodyPr rtlCol="0" anchor="ctr"/>
+          <a:lstStyle/>
+          <a:p>
+            <a:pPr algn="ctr"/>
+            <a:r>
+              <a:rPr lang="en-SG" sz="1050" dirty="0">
+                <a:solidFill>
+                  <a:schemeClr val="bg1"/>
+                </a:solidFill>
+              </a:rPr>
+              <a:t>Regex</a:t>
+            </a:r>
+          </a:p>
+        </p:txBody>
+      </p:sp>
+      <p:cxnSp>
+        <p:nvCxnSpPr>
+          <p:cNvPr id="149" name="Elbow Connector 49">
+            <a:extLst>
+              <a:ext uri="{FF2B5EF4-FFF2-40B4-BE49-F238E27FC236}">
+                <a16:creationId xmlns:a16="http://schemas.microsoft.com/office/drawing/2014/main" id="{F86B1A12-EEB6-4F1D-9B32-72DD8637451F}"/>
+              </a:ext>
+            </a:extLst>
+          </p:cNvPr>
+          <p:cNvCxnSpPr>
+            <a:cxnSpLocks/>
+          </p:cNvCxnSpPr>
+          <p:nvPr/>
+        </p:nvCxnSpPr>
+        <p:spPr>
+          <a:xfrm rot="5400000">
+            <a:off x="3655800" y="2623563"/>
+            <a:ext cx="135551" cy="476"/>
+          </a:xfrm>
+          <a:prstGeom prst="bentConnector3">
+            <a:avLst>
+              <a:gd name="adj1" fmla="val 50000"/>
+            </a:avLst>
+          </a:prstGeom>
+          <a:ln w="19050">
+            <a:solidFill>
+              <a:schemeClr val="accent5">
+                <a:lumMod val="60000"/>
+                <a:lumOff val="40000"/>
+              </a:schemeClr>
+            </a:solidFill>
+            <a:prstDash val="sysDot"/>
+            <a:headEnd type="none" w="med" len="med"/>
+            <a:tailEnd type="arrow" w="med" len="med"/>
+          </a:ln>
+          <a:effectLst/>
+        </p:spPr>
+        <p:style>
+          <a:lnRef idx="1">
+            <a:schemeClr val="accent2"/>
+          </a:lnRef>
+          <a:fillRef idx="2">
+            <a:schemeClr val="accent2"/>
+          </a:fillRef>
+          <a:effectRef idx="1">
+            <a:schemeClr val="accent2"/>
+          </a:effectRef>
+          <a:fontRef idx="minor">
+            <a:schemeClr val="dk1"/>
+          </a:fontRef>
+        </p:style>
+      </p:cxnSp>
+      <p:cxnSp>
+        <p:nvCxnSpPr>
+          <p:cNvPr id="150" name="Elbow Connector 49">
+            <a:extLst>
+              <a:ext uri="{FF2B5EF4-FFF2-40B4-BE49-F238E27FC236}">
+                <a16:creationId xmlns:a16="http://schemas.microsoft.com/office/drawing/2014/main" id="{B7436CBE-DECA-4042-A581-7FA55CFE69B2}"/>
+              </a:ext>
+            </a:extLst>
+          </p:cNvPr>
+          <p:cNvCxnSpPr>
+            <a:cxnSpLocks/>
+            <a:stCxn id="148" idx="2"/>
+            <a:endCxn id="145" idx="0"/>
+          </p:cNvCxnSpPr>
+          <p:nvPr/>
+        </p:nvCxnSpPr>
+        <p:spPr>
+          <a:xfrm rot="5400000">
+            <a:off x="3514374" y="1602805"/>
+            <a:ext cx="109604" cy="2728"/>
+          </a:xfrm>
+          <a:prstGeom prst="bentConnector3">
+            <a:avLst>
+              <a:gd name="adj1" fmla="val 50000"/>
+            </a:avLst>
+          </a:prstGeom>
+          <a:ln w="19050">
+            <a:solidFill>
+              <a:schemeClr val="accent5">
+                <a:lumMod val="60000"/>
+                <a:lumOff val="40000"/>
+              </a:schemeClr>
+            </a:solidFill>
+            <a:prstDash val="sysDot"/>
+            <a:headEnd type="none" w="med" len="med"/>
+            <a:tailEnd type="arrow" w="med" len="med"/>
+          </a:ln>
+          <a:effectLst/>
+        </p:spPr>
+        <p:style>
+          <a:lnRef idx="1">
+            <a:schemeClr val="accent2"/>
+          </a:lnRef>
+          <a:fillRef idx="2">
+            <a:schemeClr val="accent2"/>
+          </a:fillRef>
+          <a:effectRef idx="1">
+            <a:schemeClr val="accent2"/>
+          </a:effectRef>
+          <a:fontRef idx="minor">
+            <a:schemeClr val="dk1"/>
+          </a:fontRef>
+        </p:style>
+      </p:cxnSp>
+      <p:cxnSp>
+        <p:nvCxnSpPr>
+          <p:cNvPr id="156" name="Straight Connector 155">
+            <a:extLst>
+              <a:ext uri="{FF2B5EF4-FFF2-40B4-BE49-F238E27FC236}">
+                <a16:creationId xmlns:a16="http://schemas.microsoft.com/office/drawing/2014/main" id="{14F9F6F3-A31B-4C31-B265-A0EFEC04AAE2}"/>
+              </a:ext>
+            </a:extLst>
+          </p:cNvPr>
+          <p:cNvCxnSpPr>
+            <a:cxnSpLocks/>
+            <a:stCxn id="148" idx="3"/>
+          </p:cNvCxnSpPr>
+          <p:nvPr/>
+        </p:nvCxnSpPr>
+        <p:spPr>
+          <a:xfrm flipV="1">
+            <a:off x="3945618" y="1373516"/>
+            <a:ext cx="309424" cy="5472"/>
+          </a:xfrm>
+          <a:prstGeom prst="line">
+            <a:avLst/>
+          </a:prstGeom>
+          <a:ln w="19050">
+            <a:solidFill>
+              <a:schemeClr val="accent5">
+                <a:lumMod val="50000"/>
+              </a:schemeClr>
+            </a:solidFill>
+            <a:prstDash val="sysDot"/>
+            <a:headEnd type="arrow" w="med" len="med"/>
+            <a:tailEnd type="none" w="med" len="med"/>
+          </a:ln>
+          <a:effectLst/>
+        </p:spPr>
+        <p:style>
+          <a:lnRef idx="1">
+            <a:schemeClr val="accent2"/>
+          </a:lnRef>
+          <a:fillRef idx="2">
+            <a:schemeClr val="accent2"/>
+          </a:fillRef>
+          <a:effectRef idx="1">
+            <a:schemeClr val="accent2"/>
+          </a:effectRef>
+          <a:fontRef idx="minor">
+            <a:schemeClr val="dk1"/>
+          </a:fontRef>
+        </p:style>
+      </p:cxnSp>
+      <p:cxnSp>
+        <p:nvCxnSpPr>
+          <p:cNvPr id="160" name="Straight Connector 159">
+            <a:extLst>
+              <a:ext uri="{FF2B5EF4-FFF2-40B4-BE49-F238E27FC236}">
+                <a16:creationId xmlns:a16="http://schemas.microsoft.com/office/drawing/2014/main" id="{97B36FA0-BE96-4495-B9F5-75B47EF36C32}"/>
+              </a:ext>
+            </a:extLst>
+          </p:cNvPr>
+          <p:cNvCxnSpPr>
+            <a:cxnSpLocks/>
+            <a:stCxn id="145" idx="3"/>
+          </p:cNvCxnSpPr>
+          <p:nvPr/>
+        </p:nvCxnSpPr>
+        <p:spPr>
+          <a:xfrm>
+            <a:off x="3942890" y="1829350"/>
+            <a:ext cx="297998" cy="0"/>
+          </a:xfrm>
+          <a:prstGeom prst="line">
+            <a:avLst/>
+          </a:prstGeom>
+          <a:ln w="19050">
+            <a:solidFill>
+              <a:schemeClr val="accent5">
+                <a:lumMod val="50000"/>
+              </a:schemeClr>
+            </a:solidFill>
+            <a:prstDash val="sysDot"/>
+            <a:headEnd type="arrow" w="med" len="med"/>
+            <a:tailEnd type="none" w="med" len="med"/>
+          </a:ln>
+          <a:effectLst/>
+        </p:spPr>
+        <p:style>
+          <a:lnRef idx="1">
+            <a:schemeClr val="accent2"/>
+          </a:lnRef>
+          <a:fillRef idx="2">
+            <a:schemeClr val="accent2"/>
+          </a:fillRef>
+          <a:effectRef idx="1">
+            <a:schemeClr val="accent2"/>
+          </a:effectRef>
+          <a:fontRef idx="minor">
+            <a:schemeClr val="dk1"/>
+          </a:fontRef>
+        </p:style>
+      </p:cxnSp>
+      <p:cxnSp>
+        <p:nvCxnSpPr>
+          <p:cNvPr id="167" name="Elbow Connector 49">
+            <a:extLst>
+              <a:ext uri="{FF2B5EF4-FFF2-40B4-BE49-F238E27FC236}">
+                <a16:creationId xmlns:a16="http://schemas.microsoft.com/office/drawing/2014/main" id="{B8047C7B-C839-420D-A64B-0A1F463DF641}"/>
+              </a:ext>
+            </a:extLst>
+          </p:cNvPr>
+          <p:cNvCxnSpPr>
+            <a:cxnSpLocks/>
+          </p:cNvCxnSpPr>
+          <p:nvPr/>
+        </p:nvCxnSpPr>
+        <p:spPr>
+          <a:xfrm rot="5400000">
+            <a:off x="2246566" y="1531881"/>
+            <a:ext cx="1006485" cy="852206"/>
+          </a:xfrm>
+          <a:prstGeom prst="bentConnector3">
+            <a:avLst>
+              <a:gd name="adj1" fmla="val -404"/>
+            </a:avLst>
+          </a:prstGeom>
+          <a:ln w="19050">
+            <a:solidFill>
+              <a:schemeClr val="accent5">
+                <a:lumMod val="60000"/>
+                <a:lumOff val="40000"/>
+              </a:schemeClr>
+            </a:solidFill>
+            <a:prstDash val="sysDot"/>
+            <a:headEnd type="none" w="med" len="med"/>
+            <a:tailEnd type="arrow" w="med" len="med"/>
+          </a:ln>
+          <a:effectLst/>
+        </p:spPr>
+        <p:style>
+          <a:lnRef idx="1">
+            <a:schemeClr val="accent2"/>
+          </a:lnRef>
+          <a:fillRef idx="2">
+            <a:schemeClr val="accent2"/>
+          </a:fillRef>
+          <a:effectRef idx="1">
+            <a:schemeClr val="accent2"/>
+          </a:effectRef>
+          <a:fontRef idx="minor">
+            <a:schemeClr val="dk1"/>
+          </a:fontRef>
+        </p:style>
+      </p:cxnSp>
+      <p:cxnSp>
+        <p:nvCxnSpPr>
+          <p:cNvPr id="169" name="Elbow Connector 49">
+            <a:extLst>
+              <a:ext uri="{FF2B5EF4-FFF2-40B4-BE49-F238E27FC236}">
+                <a16:creationId xmlns:a16="http://schemas.microsoft.com/office/drawing/2014/main" id="{19EA2302-7A8E-4DA9-A77C-11E784065E3F}"/>
+              </a:ext>
+            </a:extLst>
+          </p:cNvPr>
+          <p:cNvCxnSpPr>
+            <a:cxnSpLocks/>
+            <a:stCxn id="145" idx="1"/>
+            <a:endCxn id="58" idx="0"/>
+          </p:cNvCxnSpPr>
+          <p:nvPr/>
+        </p:nvCxnSpPr>
+        <p:spPr>
+          <a:xfrm rot="10800000" flipV="1">
+            <a:off x="2601618" y="1829349"/>
+            <a:ext cx="591116" cy="625131"/>
+          </a:xfrm>
+          <a:prstGeom prst="bentConnector2">
+            <a:avLst/>
+          </a:prstGeom>
+          <a:ln w="19050">
+            <a:solidFill>
+              <a:schemeClr val="accent5">
+                <a:lumMod val="60000"/>
+                <a:lumOff val="40000"/>
+              </a:schemeClr>
+            </a:solidFill>
+            <a:prstDash val="sysDot"/>
+            <a:headEnd type="none" w="med" len="med"/>
+            <a:tailEnd type="arrow" w="med" len="med"/>
+          </a:ln>
+          <a:effectLst/>
+        </p:spPr>
+        <p:style>
+          <a:lnRef idx="1">
+            <a:schemeClr val="accent2"/>
+          </a:lnRef>
+          <a:fillRef idx="2">
+            <a:schemeClr val="accent2"/>
+          </a:fillRef>
+          <a:effectRef idx="1">
+            <a:schemeClr val="accent2"/>
+          </a:effectRef>
+          <a:fontRef idx="minor">
+            <a:schemeClr val="dk1"/>
+          </a:fontRef>
+        </p:style>
+      </p:cxnSp>
+      <p:sp>
+        <p:nvSpPr>
+          <p:cNvPr id="188" name="Rectangle 187">
+            <a:extLst>
+              <a:ext uri="{FF2B5EF4-FFF2-40B4-BE49-F238E27FC236}">
+                <a16:creationId xmlns:a16="http://schemas.microsoft.com/office/drawing/2014/main" id="{DAFA5691-DC83-4158-95F1-BF2A5F80E15D}"/>
+              </a:ext>
+            </a:extLst>
+          </p:cNvPr>
+          <p:cNvSpPr/>
+          <p:nvPr/>
+        </p:nvSpPr>
+        <p:spPr>
+          <a:xfrm flipH="1">
+            <a:off x="4821444" y="2947537"/>
+            <a:ext cx="993466" cy="415165"/>
+          </a:xfrm>
+          <a:prstGeom prst="rect">
+            <a:avLst/>
+          </a:prstGeom>
+          <a:solidFill>
+            <a:schemeClr val="accent5"/>
+          </a:solidFill>
+          <a:ln/>
+          <a:effectLst/>
+        </p:spPr>
+        <p:style>
+          <a:lnRef idx="1">
+            <a:schemeClr val="accent5"/>
+          </a:lnRef>
+          <a:fillRef idx="2">
+            <a:schemeClr val="accent5"/>
+          </a:fillRef>
+          <a:effectRef idx="1">
+            <a:schemeClr val="accent5"/>
+          </a:effectRef>
+          <a:fontRef idx="minor">
+            <a:schemeClr val="dk1"/>
+          </a:fontRef>
+        </p:style>
+        <p:txBody>
+          <a:bodyPr rtlCol="0" anchor="ctr"/>
+          <a:lstStyle/>
+          <a:p>
+            <a:pPr algn="ctr"/>
+            <a:r>
+              <a:rPr lang="en-US" sz="1050" b="1" dirty="0">
+                <a:solidFill>
+                  <a:schemeClr val="bg1"/>
+                </a:solidFill>
+              </a:rPr>
+              <a:t>…</a:t>
+            </a:r>
+            <a:endParaRPr lang="en-SG" sz="1050" b="1" dirty="0">
+              <a:solidFill>
+                <a:schemeClr val="bg1"/>
+              </a:solidFill>
+            </a:endParaRPr>
+          </a:p>
+        </p:txBody>
+      </p:sp>
+      <p:cxnSp>
+        <p:nvCxnSpPr>
+          <p:cNvPr id="199" name="Elbow Connector 63">
+            <a:extLst>
+              <a:ext uri="{FF2B5EF4-FFF2-40B4-BE49-F238E27FC236}">
+                <a16:creationId xmlns:a16="http://schemas.microsoft.com/office/drawing/2014/main" id="{AD4A561C-161F-4828-ADB6-65BE859AF249}"/>
+              </a:ext>
+            </a:extLst>
+          </p:cNvPr>
+          <p:cNvCxnSpPr>
+            <a:cxnSpLocks/>
+          </p:cNvCxnSpPr>
+          <p:nvPr/>
+        </p:nvCxnSpPr>
+        <p:spPr>
+          <a:xfrm>
+            <a:off x="5814911" y="3162676"/>
+            <a:ext cx="681496" cy="1"/>
+          </a:xfrm>
+          <a:prstGeom prst="bentConnector3">
+            <a:avLst>
+              <a:gd name="adj1" fmla="val 50000"/>
+            </a:avLst>
+          </a:prstGeom>
+          <a:ln w="19050">
+            <a:solidFill>
+              <a:schemeClr val="accent5">
+                <a:lumMod val="75000"/>
+              </a:schemeClr>
+            </a:solidFill>
+            <a:prstDash val="sysDot"/>
+            <a:headEnd type="none" w="med" len="med"/>
+            <a:tailEnd type="arrow" w="med" len="med"/>
+          </a:ln>
+          <a:effectLst/>
+        </p:spPr>
+        <p:style>
+          <a:lnRef idx="1">
+            <a:schemeClr val="accent2"/>
+          </a:lnRef>
+          <a:fillRef idx="2">
+            <a:schemeClr val="accent2"/>
+          </a:fillRef>
+          <a:effectRef idx="1">
+            <a:schemeClr val="accent2"/>
+          </a:effectRef>
+          <a:fontRef idx="minor">
+            <a:schemeClr val="dk1"/>
+          </a:fontRef>
+        </p:style>
+      </p:cxnSp>
+      <p:sp>
+        <p:nvSpPr>
+          <p:cNvPr id="210" name="TextBox 209">
+            <a:extLst>
+              <a:ext uri="{FF2B5EF4-FFF2-40B4-BE49-F238E27FC236}">
+                <a16:creationId xmlns:a16="http://schemas.microsoft.com/office/drawing/2014/main" id="{FB3117D3-97A5-44E3-96F9-79E64BF00BBC}"/>
+              </a:ext>
+            </a:extLst>
+          </p:cNvPr>
+          <p:cNvSpPr txBox="1"/>
+          <p:nvPr/>
+        </p:nvSpPr>
+        <p:spPr>
+          <a:xfrm>
+            <a:off x="5839357" y="2995856"/>
+            <a:ext cx="555486" cy="212490"/>
+          </a:xfrm>
+          <a:prstGeom prst="rect">
+            <a:avLst/>
+          </a:prstGeom>
+          <a:noFill/>
+        </p:spPr>
+        <p:txBody>
+          <a:bodyPr wrap="square" lIns="0" tIns="0" rIns="0" bIns="0" rtlCol="0">
+            <a:noAutofit/>
+          </a:bodyPr>
+          <a:lstStyle/>
+          <a:p>
+            <a:r>
+              <a:rPr lang="en-US" sz="1100" dirty="0">
+                <a:solidFill>
+                  <a:schemeClr val="accent5">
+                    <a:lumMod val="75000"/>
+                  </a:schemeClr>
+                </a:solidFill>
+              </a:rPr>
+              <a:t>creates</a:t>
+            </a:r>
+            <a:endParaRPr lang="en-SG" sz="1100" dirty="0">
+              <a:solidFill>
+                <a:schemeClr val="accent5">
+                  <a:lumMod val="75000"/>
+                </a:schemeClr>
+              </a:solidFill>
+            </a:endParaRPr>
+          </a:p>
+        </p:txBody>
+      </p:sp>
+      <p:sp>
+        <p:nvSpPr>
+          <p:cNvPr id="213" name="Isosceles Triangle 212">
+            <a:extLst>
+              <a:ext uri="{FF2B5EF4-FFF2-40B4-BE49-F238E27FC236}">
+                <a16:creationId xmlns:a16="http://schemas.microsoft.com/office/drawing/2014/main" id="{EED3D576-1725-4068-8282-6A45C8AE1056}"/>
+              </a:ext>
+            </a:extLst>
+          </p:cNvPr>
+          <p:cNvSpPr/>
+          <p:nvPr/>
+        </p:nvSpPr>
+        <p:spPr>
+          <a:xfrm rot="16200000" flipV="1">
+            <a:off x="6247232" y="3026497"/>
+            <a:ext cx="132157" cy="88141"/>
+          </a:xfrm>
+          <a:prstGeom prst="triangle">
+            <a:avLst/>
+          </a:prstGeom>
+          <a:solidFill>
+            <a:schemeClr val="accent5">
+              <a:lumMod val="75000"/>
+            </a:schemeClr>
+          </a:solidFill>
+          <a:ln>
+            <a:noFill/>
+          </a:ln>
+        </p:spPr>
+        <p:style>
+          <a:lnRef idx="2">
+            <a:schemeClr val="accent1">
+              <a:shade val="50000"/>
+            </a:schemeClr>
+          </a:lnRef>
+          <a:fillRef idx="1">
+            <a:schemeClr val="accent1"/>
+          </a:fillRef>
+          <a:effectRef idx="0">
+            <a:schemeClr val="accent1"/>
+          </a:effectRef>
+          <a:fontRef idx="minor">
+            <a:schemeClr val="lt1"/>
+          </a:fontRef>
+        </p:style>
+        <p:txBody>
+          <a:bodyPr rtlCol="0" anchor="ctr"/>
+          <a:lstStyle/>
+          <a:p>
+            <a:pPr algn="ctr"/>
+            <a:endParaRPr lang="en-SG"/>
+          </a:p>
+        </p:txBody>
+      </p:sp>
+      <p:cxnSp>
+        <p:nvCxnSpPr>
+          <p:cNvPr id="94" name="Straight Connector 93">
+            <a:extLst>
+              <a:ext uri="{FF2B5EF4-FFF2-40B4-BE49-F238E27FC236}">
+                <a16:creationId xmlns:a16="http://schemas.microsoft.com/office/drawing/2014/main" id="{531E8278-A113-4B2C-9ED7-7001516CC13F}"/>
+              </a:ext>
+            </a:extLst>
+          </p:cNvPr>
+          <p:cNvCxnSpPr>
+            <a:cxnSpLocks/>
+          </p:cNvCxnSpPr>
+          <p:nvPr/>
+        </p:nvCxnSpPr>
+        <p:spPr>
+          <a:xfrm>
+            <a:off x="4250714" y="3400280"/>
+            <a:ext cx="573531" cy="0"/>
+          </a:xfrm>
+          <a:prstGeom prst="line">
+            <a:avLst/>
+          </a:prstGeom>
+          <a:ln w="19050">
+            <a:solidFill>
+              <a:schemeClr val="accent5">
+                <a:lumMod val="50000"/>
+              </a:schemeClr>
+            </a:solidFill>
+            <a:prstDash val="sysDot"/>
+            <a:headEnd type="none" w="med" len="med"/>
+            <a:tailEnd type="none" w="med" len="med"/>
+          </a:ln>
+          <a:effectLst/>
+        </p:spPr>
+        <p:style>
+          <a:lnRef idx="1">
+            <a:schemeClr val="accent2"/>
+          </a:lnRef>
+          <a:fillRef idx="2">
+            <a:schemeClr val="accent2"/>
+          </a:fillRef>
+          <a:effectRef idx="1">
+            <a:schemeClr val="accent2"/>
+          </a:effectRef>
+          <a:fontRef idx="minor">
+            <a:schemeClr val="dk1"/>
+          </a:fontRef>
+        </p:style>
+      </p:cxnSp>
+      <p:sp>
+        <p:nvSpPr>
+          <p:cNvPr id="97" name="TextBox 96">
+            <a:extLst>
+              <a:ext uri="{FF2B5EF4-FFF2-40B4-BE49-F238E27FC236}">
+                <a16:creationId xmlns:a16="http://schemas.microsoft.com/office/drawing/2014/main" id="{54043DA7-A10B-49E1-9426-DB4786042CE0}"/>
+              </a:ext>
+            </a:extLst>
+          </p:cNvPr>
+          <p:cNvSpPr txBox="1"/>
+          <p:nvPr/>
+        </p:nvSpPr>
+        <p:spPr>
+          <a:xfrm>
+            <a:off x="6055973" y="3416938"/>
+            <a:ext cx="555486" cy="212490"/>
+          </a:xfrm>
+          <a:prstGeom prst="rect">
+            <a:avLst/>
+          </a:prstGeom>
+          <a:noFill/>
+        </p:spPr>
+        <p:txBody>
+          <a:bodyPr wrap="square" lIns="0" tIns="0" rIns="0" bIns="0" rtlCol="0">
+            <a:noAutofit/>
+          </a:bodyPr>
+          <a:lstStyle/>
+          <a:p>
+            <a:r>
+              <a:rPr lang="en-US" sz="1100" dirty="0">
+                <a:solidFill>
+                  <a:schemeClr val="accent5">
+                    <a:lumMod val="75000"/>
+                  </a:schemeClr>
+                </a:solidFill>
+              </a:rPr>
+              <a:t>creates</a:t>
+            </a:r>
+            <a:endParaRPr lang="en-SG" sz="1100" dirty="0">
+              <a:solidFill>
+                <a:schemeClr val="accent5">
+                  <a:lumMod val="75000"/>
+                </a:schemeClr>
+              </a:solidFill>
+            </a:endParaRPr>
+          </a:p>
+        </p:txBody>
+      </p:sp>
+      <p:sp>
+        <p:nvSpPr>
+          <p:cNvPr id="98" name="Isosceles Triangle 97">
+            <a:extLst>
+              <a:ext uri="{FF2B5EF4-FFF2-40B4-BE49-F238E27FC236}">
+                <a16:creationId xmlns:a16="http://schemas.microsoft.com/office/drawing/2014/main" id="{78B91EFB-5054-4E4E-ABF6-12BD3E995688}"/>
+              </a:ext>
+            </a:extLst>
+          </p:cNvPr>
+          <p:cNvSpPr/>
+          <p:nvPr/>
+        </p:nvSpPr>
+        <p:spPr>
+          <a:xfrm rot="16200000" flipV="1">
+            <a:off x="6469444" y="3467417"/>
+            <a:ext cx="132157" cy="88141"/>
+          </a:xfrm>
+          <a:prstGeom prst="triangle">
+            <a:avLst/>
+          </a:prstGeom>
+          <a:solidFill>
+            <a:schemeClr val="accent5">
+              <a:lumMod val="75000"/>
+            </a:schemeClr>
+          </a:solidFill>
+          <a:ln>
+            <a:noFill/>
+          </a:ln>
+        </p:spPr>
+        <p:style>
+          <a:lnRef idx="2">
+            <a:schemeClr val="accent1">
+              <a:shade val="50000"/>
+            </a:schemeClr>
+          </a:lnRef>
+          <a:fillRef idx="1">
+            <a:schemeClr val="accent1"/>
+          </a:fillRef>
+          <a:effectRef idx="0">
+            <a:schemeClr val="accent1"/>
+          </a:effectRef>
+          <a:fontRef idx="minor">
+            <a:schemeClr val="lt1"/>
+          </a:fontRef>
+        </p:style>
+        <p:txBody>
+          <a:bodyPr rtlCol="0" anchor="ctr"/>
+          <a:lstStyle/>
+          <a:p>
+            <a:pPr algn="ctr"/>
+            <a:endParaRPr lang="en-SG"/>
+          </a:p>
+        </p:txBody>
+      </p:sp>
+      <p:cxnSp>
+        <p:nvCxnSpPr>
+          <p:cNvPr id="119" name="Elbow Connector 63">
+            <a:extLst>
+              <a:ext uri="{FF2B5EF4-FFF2-40B4-BE49-F238E27FC236}">
+                <a16:creationId xmlns:a16="http://schemas.microsoft.com/office/drawing/2014/main" id="{86B722B9-BD9A-4276-82DC-64A364E3F4E8}"/>
+              </a:ext>
+            </a:extLst>
+          </p:cNvPr>
+          <p:cNvCxnSpPr>
+            <a:cxnSpLocks/>
+          </p:cNvCxnSpPr>
+          <p:nvPr/>
+        </p:nvCxnSpPr>
+        <p:spPr>
+          <a:xfrm>
+            <a:off x="6047555" y="3591113"/>
+            <a:ext cx="540505" cy="6022"/>
+          </a:xfrm>
+          <a:prstGeom prst="bentConnector3">
+            <a:avLst>
+              <a:gd name="adj1" fmla="val 50000"/>
+            </a:avLst>
+          </a:prstGeom>
+          <a:ln w="19050">
+            <a:solidFill>
+              <a:schemeClr val="accent5">
+                <a:lumMod val="75000"/>
+              </a:schemeClr>
+            </a:solidFill>
+            <a:prstDash val="sysDot"/>
+            <a:headEnd type="none" w="med" len="med"/>
+            <a:tailEnd type="arrow" w="med" len="med"/>
+          </a:ln>
+          <a:effectLst/>
+        </p:spPr>
+        <p:style>
+          <a:lnRef idx="1">
+            <a:schemeClr val="accent2"/>
+          </a:lnRef>
+          <a:fillRef idx="2">
+            <a:schemeClr val="accent2"/>
+          </a:fillRef>
+          <a:effectRef idx="1">
+            <a:schemeClr val="accent2"/>
+          </a:effectRef>
+          <a:fontRef idx="minor">
+            <a:schemeClr val="dk1"/>
+          </a:fontRef>
+        </p:style>
+      </p:cxnSp>
     </p:spTree>
     <p:extLst>
       <p:ext uri="{BB962C8B-B14F-4D97-AF65-F5344CB8AC3E}">
